--- a/week12/Lecture12.pptx
+++ b/week12/Lecture12.pptx
@@ -5,7 +5,7 @@
     <p:sldMasterId id="2147483648" r:id="rId1"/>
   </p:sldMasterIdLst>
   <p:notesMasterIdLst>
-    <p:notesMasterId r:id="rId27"/>
+    <p:notesMasterId r:id="rId28"/>
   </p:notesMasterIdLst>
   <p:sldIdLst>
     <p:sldId id="256" r:id="rId2"/>
@@ -24,15 +24,16 @@
     <p:sldId id="645" r:id="rId15"/>
     <p:sldId id="646" r:id="rId16"/>
     <p:sldId id="647" r:id="rId17"/>
-    <p:sldId id="648" r:id="rId18"/>
-    <p:sldId id="650" r:id="rId19"/>
-    <p:sldId id="649" r:id="rId20"/>
-    <p:sldId id="651" r:id="rId21"/>
-    <p:sldId id="652" r:id="rId22"/>
-    <p:sldId id="653" r:id="rId23"/>
-    <p:sldId id="654" r:id="rId24"/>
-    <p:sldId id="655" r:id="rId25"/>
-    <p:sldId id="656" r:id="rId26"/>
+    <p:sldId id="657" r:id="rId18"/>
+    <p:sldId id="648" r:id="rId19"/>
+    <p:sldId id="650" r:id="rId20"/>
+    <p:sldId id="649" r:id="rId21"/>
+    <p:sldId id="651" r:id="rId22"/>
+    <p:sldId id="652" r:id="rId23"/>
+    <p:sldId id="653" r:id="rId24"/>
+    <p:sldId id="654" r:id="rId25"/>
+    <p:sldId id="655" r:id="rId26"/>
+    <p:sldId id="656" r:id="rId27"/>
   </p:sldIdLst>
   <p:sldSz cx="12192000" cy="6858000"/>
   <p:notesSz cx="6858000" cy="9144000"/>
@@ -221,7 +222,7 @@
           <a:p>
             <a:fld id="{634F3F22-B4BB-3F48-9180-464A9F2D66D1}" type="datetimeFigureOut">
               <a:rPr kumimoji="1" lang="zh-CN" altLang="en-US" smtClean="0"/>
-              <a:t>2021/11/28</a:t>
+              <a:t>2021/11/29</a:t>
             </a:fld>
             <a:endParaRPr kumimoji="1" lang="zh-CN" altLang="en-US"/>
           </a:p>
@@ -701,7 +702,7 @@
           <a:p>
             <a:fld id="{FC19A4FA-3D9A-4114-B0D5-759CBD56F1AB}" type="datetimeFigureOut">
               <a:rPr lang="zh-CN" altLang="en-US" smtClean="0"/>
-              <a:t>2021/11/28</a:t>
+              <a:t>2021/11/29</a:t>
             </a:fld>
             <a:endParaRPr lang="zh-CN" altLang="en-US"/>
           </a:p>
@@ -904,7 +905,7 @@
           <a:p>
             <a:fld id="{FC19A4FA-3D9A-4114-B0D5-759CBD56F1AB}" type="datetimeFigureOut">
               <a:rPr lang="zh-CN" altLang="en-US" smtClean="0"/>
-              <a:t>2021/11/28</a:t>
+              <a:t>2021/11/29</a:t>
             </a:fld>
             <a:endParaRPr lang="zh-CN" altLang="en-US"/>
           </a:p>
@@ -1082,7 +1083,7 @@
           <a:p>
             <a:fld id="{FC19A4FA-3D9A-4114-B0D5-759CBD56F1AB}" type="datetimeFigureOut">
               <a:rPr lang="zh-CN" altLang="en-US" smtClean="0"/>
-              <a:t>2021/11/28</a:t>
+              <a:t>2021/11/29</a:t>
             </a:fld>
             <a:endParaRPr lang="zh-CN" altLang="en-US"/>
           </a:p>
@@ -1306,7 +1307,7 @@
           <a:p>
             <a:fld id="{FC19A4FA-3D9A-4114-B0D5-759CBD56F1AB}" type="datetimeFigureOut">
               <a:rPr lang="zh-CN" altLang="en-US" smtClean="0"/>
-              <a:t>2021/11/28</a:t>
+              <a:t>2021/11/29</a:t>
             </a:fld>
             <a:endParaRPr lang="zh-CN" altLang="en-US"/>
           </a:p>
@@ -1540,7 +1541,7 @@
           <a:p>
             <a:fld id="{FC19A4FA-3D9A-4114-B0D5-759CBD56F1AB}" type="datetimeFigureOut">
               <a:rPr lang="zh-CN" altLang="en-US" smtClean="0"/>
-              <a:t>2021/11/28</a:t>
+              <a:t>2021/11/29</a:t>
             </a:fld>
             <a:endParaRPr lang="zh-CN" altLang="en-US"/>
           </a:p>
@@ -1939,7 +1940,7 @@
           <a:p>
             <a:fld id="{FC19A4FA-3D9A-4114-B0D5-759CBD56F1AB}" type="datetimeFigureOut">
               <a:rPr lang="zh-CN" altLang="en-US" smtClean="0"/>
-              <a:t>2021/11/28</a:t>
+              <a:t>2021/11/29</a:t>
             </a:fld>
             <a:endParaRPr lang="zh-CN" altLang="en-US"/>
           </a:p>
@@ -2219,7 +2220,7 @@
           <a:p>
             <a:fld id="{FC19A4FA-3D9A-4114-B0D5-759CBD56F1AB}" type="datetimeFigureOut">
               <a:rPr lang="zh-CN" altLang="en-US" smtClean="0"/>
-              <a:t>2021/11/28</a:t>
+              <a:t>2021/11/29</a:t>
             </a:fld>
             <a:endParaRPr lang="zh-CN" altLang="en-US"/>
           </a:p>
@@ -2371,7 +2372,7 @@
           <a:p>
             <a:fld id="{FC19A4FA-3D9A-4114-B0D5-759CBD56F1AB}" type="datetimeFigureOut">
               <a:rPr lang="zh-CN" altLang="en-US" smtClean="0"/>
-              <a:t>2021/11/28</a:t>
+              <a:t>2021/11/29</a:t>
             </a:fld>
             <a:endParaRPr lang="zh-CN" altLang="en-US"/>
           </a:p>
@@ -2501,7 +2502,7 @@
           <a:p>
             <a:fld id="{FC19A4FA-3D9A-4114-B0D5-759CBD56F1AB}" type="datetimeFigureOut">
               <a:rPr lang="zh-CN" altLang="en-US" smtClean="0"/>
-              <a:t>2021/11/28</a:t>
+              <a:t>2021/11/29</a:t>
             </a:fld>
             <a:endParaRPr lang="zh-CN" altLang="en-US"/>
           </a:p>
@@ -2811,7 +2812,7 @@
           <a:p>
             <a:fld id="{FC19A4FA-3D9A-4114-B0D5-759CBD56F1AB}" type="datetimeFigureOut">
               <a:rPr lang="zh-CN" altLang="en-US" smtClean="0"/>
-              <a:t>2021/11/28</a:t>
+              <a:t>2021/11/29</a:t>
             </a:fld>
             <a:endParaRPr lang="zh-CN" altLang="en-US"/>
           </a:p>
@@ -3098,7 +3099,7 @@
           <a:p>
             <a:fld id="{FC19A4FA-3D9A-4114-B0D5-759CBD56F1AB}" type="datetimeFigureOut">
               <a:rPr lang="zh-CN" altLang="en-US" smtClean="0"/>
-              <a:t>2021/11/28</a:t>
+              <a:t>2021/11/29</a:t>
             </a:fld>
             <a:endParaRPr lang="zh-CN" altLang="en-US"/>
           </a:p>
@@ -3391,7 +3392,7 @@
           <a:p>
             <a:fld id="{FC19A4FA-3D9A-4114-B0D5-759CBD56F1AB}" type="datetimeFigureOut">
               <a:rPr lang="zh-CN" altLang="en-US" smtClean="0"/>
-              <a:t>2021/11/28</a:t>
+              <a:t>2021/11/29</a:t>
             </a:fld>
             <a:endParaRPr lang="zh-CN" altLang="en-US"/>
           </a:p>
@@ -6738,7 +6739,7 @@
               <a:t> </a:t>
             </a:r>
             <a:r>
-              <a:rPr lang="en" altLang="zh-CN" dirty="0">
+              <a:rPr lang="en" altLang="zh-CN">
                 <a:solidFill>
                   <a:srgbClr val="795E26"/>
                 </a:solidFill>
@@ -6747,22 +6748,13 @@
               <a:t>print</a:t>
             </a:r>
             <a:r>
-              <a:rPr lang="en" altLang="zh-CN" dirty="0">
-                <a:solidFill>
-                  <a:srgbClr val="000000"/>
-                </a:solidFill>
-                <a:latin typeface="Menlo" panose="020B0609030804020204" pitchFamily="49" charset="0"/>
-              </a:rPr>
-              <a:t>() </a:t>
-            </a:r>
-            <a:r>
-              <a:rPr lang="en" altLang="zh-CN" dirty="0">
-                <a:solidFill>
-                  <a:srgbClr val="0000FF"/>
-                </a:solidFill>
-                <a:latin typeface="Menlo" panose="020B0609030804020204" pitchFamily="49" charset="0"/>
-              </a:rPr>
-              <a:t>override</a:t>
+              <a:rPr lang="en" altLang="zh-CN">
+                <a:solidFill>
+                  <a:srgbClr val="000000"/>
+                </a:solidFill>
+                <a:latin typeface="Menlo" panose="020B0609030804020204" pitchFamily="49" charset="0"/>
+              </a:rPr>
+              <a:t>()</a:t>
             </a:r>
             <a:endParaRPr lang="en" altLang="zh-CN" dirty="0">
               <a:solidFill>
@@ -7341,10 +7333,10 @@
       </p:grpSpPr>
       <p:sp>
         <p:nvSpPr>
-          <p:cNvPr id="4" name="标题 3">
+          <p:cNvPr id="2" name="标题 1">
             <a:extLst>
               <a:ext uri="{FF2B5EF4-FFF2-40B4-BE49-F238E27FC236}">
-                <a16:creationId xmlns:a16="http://schemas.microsoft.com/office/drawing/2014/main" id="{48909F8F-B33E-9244-BB2C-425FBEE38974}"/>
+                <a16:creationId xmlns:a16="http://schemas.microsoft.com/office/drawing/2014/main" id="{8EB7C316-4BF3-544B-86CA-8A48167A79EB}"/>
               </a:ext>
             </a:extLst>
           </p:cNvPr>
@@ -7352,7 +7344,7 @@
             <a:spLocks noGrp="1"/>
           </p:cNvSpPr>
           <p:nvPr>
-            <p:ph type="ctrTitle"/>
+            <p:ph type="title"/>
           </p:nvPr>
         </p:nvSpPr>
         <p:spPr/>
@@ -7361,19 +7353,19 @@
           <a:lstStyle/>
           <a:p>
             <a:r>
-              <a:rPr lang="en" altLang="zh-CN" dirty="0"/>
-              <a:t>Inheritance and Dynamic Memory Allocation</a:t>
-            </a:r>
-            <a:endParaRPr lang="zh-CN" altLang="en-US" dirty="0"/>
+              <a:rPr kumimoji="1" lang="en-US" altLang="zh-CN" dirty="0"/>
+              <a:t>Virtual Destructors</a:t>
+            </a:r>
+            <a:endParaRPr kumimoji="1" lang="zh-CN" altLang="en-US" dirty="0"/>
           </a:p>
         </p:txBody>
       </p:sp>
       <p:sp>
         <p:nvSpPr>
-          <p:cNvPr id="5" name="副标题 4">
+          <p:cNvPr id="3" name="内容占位符 2">
             <a:extLst>
               <a:ext uri="{FF2B5EF4-FFF2-40B4-BE49-F238E27FC236}">
-                <a16:creationId xmlns:a16="http://schemas.microsoft.com/office/drawing/2014/main" id="{3C137B87-D26D-4044-B1B3-1C95FE7E9920}"/>
+                <a16:creationId xmlns:a16="http://schemas.microsoft.com/office/drawing/2014/main" id="{A04677DC-9E15-834C-91D7-30070D0C1641}"/>
               </a:ext>
             </a:extLst>
           </p:cNvPr>
@@ -7381,22 +7373,318 @@
             <a:spLocks noGrp="1"/>
           </p:cNvSpPr>
           <p:nvPr>
-            <p:ph type="subTitle" idx="1"/>
+            <p:ph idx="1"/>
           </p:nvPr>
         </p:nvSpPr>
-        <p:spPr/>
+        <p:spPr>
+          <a:xfrm>
+            <a:off x="838199" y="1326995"/>
+            <a:ext cx="11053879" cy="1195488"/>
+          </a:xfrm>
+        </p:spPr>
         <p:txBody>
-          <a:bodyPr/>
+          <a:bodyPr>
+            <a:normAutofit/>
+          </a:bodyPr>
           <a:lstStyle/>
           <a:p>
-            <a:endParaRPr lang="zh-CN" altLang="en-US"/>
+            <a:r>
+              <a:rPr kumimoji="1" lang="en-US" altLang="zh-CN" dirty="0"/>
+              <a:t>If a virtual destructor is not virtual, only the destructor of the base class is executed in the follow examples.</a:t>
+            </a:r>
+            <a:endParaRPr kumimoji="1" lang="zh-CN" altLang="en-US" dirty="0"/>
+          </a:p>
+        </p:txBody>
+      </p:sp>
+      <p:sp>
+        <p:nvSpPr>
+          <p:cNvPr id="4" name="矩形 3">
+            <a:extLst>
+              <a:ext uri="{FF2B5EF4-FFF2-40B4-BE49-F238E27FC236}">
+                <a16:creationId xmlns:a16="http://schemas.microsoft.com/office/drawing/2014/main" id="{E4142C62-2A3E-BD4A-AE16-4F7A2C8C16F1}"/>
+              </a:ext>
+            </a:extLst>
+          </p:cNvPr>
+          <p:cNvSpPr/>
+          <p:nvPr/>
+        </p:nvSpPr>
+        <p:spPr>
+          <a:xfrm>
+            <a:off x="838198" y="2738009"/>
+            <a:ext cx="8967953" cy="1477328"/>
+          </a:xfrm>
+          <a:prstGeom prst="rect">
+            <a:avLst/>
+          </a:prstGeom>
+        </p:spPr>
+        <p:txBody>
+          <a:bodyPr wrap="square">
+            <a:spAutoFit/>
+          </a:bodyPr>
+          <a:lstStyle/>
+          <a:p>
+            <a:r>
+              <a:rPr lang="en" altLang="zh-CN" dirty="0">
+                <a:solidFill>
+                  <a:srgbClr val="267F99"/>
+                </a:solidFill>
+                <a:latin typeface="Menlo" panose="020B0609030804020204" pitchFamily="49" charset="0"/>
+              </a:rPr>
+              <a:t>Person</a:t>
+            </a:r>
+            <a:r>
+              <a:rPr lang="en" altLang="zh-CN" dirty="0">
+                <a:solidFill>
+                  <a:srgbClr val="000000"/>
+                </a:solidFill>
+                <a:latin typeface="Menlo" panose="020B0609030804020204" pitchFamily="49" charset="0"/>
+              </a:rPr>
+              <a:t> * </a:t>
+            </a:r>
+            <a:r>
+              <a:rPr lang="en" altLang="zh-CN" dirty="0">
+                <a:solidFill>
+                  <a:srgbClr val="001080"/>
+                </a:solidFill>
+                <a:latin typeface="Menlo" panose="020B0609030804020204" pitchFamily="49" charset="0"/>
+              </a:rPr>
+              <a:t>p</a:t>
+            </a:r>
+            <a:r>
+              <a:rPr lang="en" altLang="zh-CN" dirty="0">
+                <a:solidFill>
+                  <a:srgbClr val="000000"/>
+                </a:solidFill>
+                <a:latin typeface="Menlo" panose="020B0609030804020204" pitchFamily="49" charset="0"/>
+              </a:rPr>
+              <a:t> = </a:t>
+            </a:r>
+            <a:r>
+              <a:rPr lang="en" altLang="zh-CN" dirty="0">
+                <a:solidFill>
+                  <a:srgbClr val="AF00DB"/>
+                </a:solidFill>
+                <a:latin typeface="Menlo" panose="020B0609030804020204" pitchFamily="49" charset="0"/>
+              </a:rPr>
+              <a:t>new</a:t>
+            </a:r>
+            <a:r>
+              <a:rPr lang="en" altLang="zh-CN" dirty="0">
+                <a:solidFill>
+                  <a:srgbClr val="000000"/>
+                </a:solidFill>
+                <a:latin typeface="Menlo" panose="020B0609030804020204" pitchFamily="49" charset="0"/>
+              </a:rPr>
+              <a:t> </a:t>
+            </a:r>
+            <a:r>
+              <a:rPr lang="en" altLang="zh-CN" dirty="0">
+                <a:solidFill>
+                  <a:srgbClr val="267F99"/>
+                </a:solidFill>
+                <a:latin typeface="Menlo" panose="020B0609030804020204" pitchFamily="49" charset="0"/>
+              </a:rPr>
+              <a:t>Student</a:t>
+            </a:r>
+            <a:r>
+              <a:rPr lang="en" altLang="zh-CN" dirty="0">
+                <a:solidFill>
+                  <a:srgbClr val="000000"/>
+                </a:solidFill>
+                <a:latin typeface="Menlo" panose="020B0609030804020204" pitchFamily="49" charset="0"/>
+              </a:rPr>
+              <a:t>(</a:t>
+            </a:r>
+            <a:r>
+              <a:rPr lang="en" altLang="zh-CN" dirty="0">
+                <a:solidFill>
+                  <a:srgbClr val="A31515"/>
+                </a:solidFill>
+                <a:latin typeface="Menlo" panose="020B0609030804020204" pitchFamily="49" charset="0"/>
+              </a:rPr>
+              <a:t>"</a:t>
+            </a:r>
+            <a:r>
+              <a:rPr lang="en" altLang="zh-CN" dirty="0" err="1">
+                <a:solidFill>
+                  <a:srgbClr val="A31515"/>
+                </a:solidFill>
+                <a:latin typeface="Menlo" panose="020B0609030804020204" pitchFamily="49" charset="0"/>
+              </a:rPr>
+              <a:t>xue</a:t>
+            </a:r>
+            <a:r>
+              <a:rPr lang="en" altLang="zh-CN" dirty="0">
+                <a:solidFill>
+                  <a:srgbClr val="A31515"/>
+                </a:solidFill>
+                <a:latin typeface="Menlo" panose="020B0609030804020204" pitchFamily="49" charset="0"/>
+              </a:rPr>
+              <a:t>"</a:t>
+            </a:r>
+            <a:r>
+              <a:rPr lang="en" altLang="zh-CN" dirty="0">
+                <a:solidFill>
+                  <a:srgbClr val="000000"/>
+                </a:solidFill>
+                <a:latin typeface="Menlo" panose="020B0609030804020204" pitchFamily="49" charset="0"/>
+              </a:rPr>
+              <a:t>, </a:t>
+            </a:r>
+            <a:r>
+              <a:rPr lang="en" altLang="zh-CN" dirty="0">
+                <a:solidFill>
+                  <a:srgbClr val="A31515"/>
+                </a:solidFill>
+                <a:latin typeface="Menlo" panose="020B0609030804020204" pitchFamily="49" charset="0"/>
+              </a:rPr>
+              <a:t>"2020"</a:t>
+            </a:r>
+            <a:r>
+              <a:rPr lang="en" altLang="zh-CN" dirty="0">
+                <a:solidFill>
+                  <a:srgbClr val="000000"/>
+                </a:solidFill>
+                <a:latin typeface="Menlo" panose="020B0609030804020204" pitchFamily="49" charset="0"/>
+              </a:rPr>
+              <a:t>);</a:t>
+            </a:r>
+          </a:p>
+          <a:p>
+            <a:r>
+              <a:rPr lang="en" altLang="zh-CN" dirty="0">
+                <a:solidFill>
+                  <a:srgbClr val="001080"/>
+                </a:solidFill>
+                <a:latin typeface="Menlo" panose="020B0609030804020204" pitchFamily="49" charset="0"/>
+              </a:rPr>
+              <a:t>p</a:t>
+            </a:r>
+            <a:r>
+              <a:rPr lang="en" altLang="zh-CN" dirty="0">
+                <a:solidFill>
+                  <a:srgbClr val="000000"/>
+                </a:solidFill>
+                <a:latin typeface="Menlo" panose="020B0609030804020204" pitchFamily="49" charset="0"/>
+              </a:rPr>
+              <a:t>-&gt;</a:t>
+            </a:r>
+            <a:r>
+              <a:rPr lang="en" altLang="zh-CN" dirty="0">
+                <a:solidFill>
+                  <a:srgbClr val="795E26"/>
+                </a:solidFill>
+                <a:latin typeface="Menlo" panose="020B0609030804020204" pitchFamily="49" charset="0"/>
+              </a:rPr>
+              <a:t>print</a:t>
+            </a:r>
+            <a:r>
+              <a:rPr lang="en" altLang="zh-CN" dirty="0">
+                <a:solidFill>
+                  <a:srgbClr val="000000"/>
+                </a:solidFill>
+                <a:latin typeface="Menlo" panose="020B0609030804020204" pitchFamily="49" charset="0"/>
+              </a:rPr>
+              <a:t>();</a:t>
+            </a:r>
+            <a:r>
+              <a:rPr lang="en" altLang="zh-CN" dirty="0">
+                <a:solidFill>
+                  <a:srgbClr val="008000"/>
+                </a:solidFill>
+                <a:latin typeface="Menlo" panose="020B0609030804020204" pitchFamily="49" charset="0"/>
+              </a:rPr>
+              <a:t> </a:t>
+            </a:r>
+          </a:p>
+          <a:p>
+            <a:r>
+              <a:rPr lang="en" altLang="zh-CN" dirty="0">
+                <a:solidFill>
+                  <a:srgbClr val="008000"/>
+                </a:solidFill>
+                <a:latin typeface="Menlo" panose="020B0609030804020204" pitchFamily="49" charset="0"/>
+              </a:rPr>
+              <a:t>...</a:t>
+            </a:r>
+          </a:p>
+          <a:p>
+            <a:r>
+              <a:rPr lang="en" altLang="zh-CN" dirty="0">
+                <a:solidFill>
+                  <a:srgbClr val="008000"/>
+                </a:solidFill>
+                <a:latin typeface="Menlo" panose="020B0609030804020204" pitchFamily="49" charset="0"/>
+              </a:rPr>
+              <a:t>...</a:t>
+            </a:r>
+            <a:endParaRPr lang="en" altLang="zh-CN" dirty="0">
+              <a:solidFill>
+                <a:srgbClr val="000000"/>
+              </a:solidFill>
+              <a:latin typeface="Menlo" panose="020B0609030804020204" pitchFamily="49" charset="0"/>
+            </a:endParaRPr>
+          </a:p>
+          <a:p>
+            <a:r>
+              <a:rPr lang="en" altLang="zh-CN" dirty="0">
+                <a:solidFill>
+                  <a:srgbClr val="AF00DB"/>
+                </a:solidFill>
+                <a:latin typeface="Menlo" panose="020B0609030804020204" pitchFamily="49" charset="0"/>
+              </a:rPr>
+              <a:t>delete</a:t>
+            </a:r>
+            <a:r>
+              <a:rPr lang="en" altLang="zh-CN" dirty="0">
+                <a:solidFill>
+                  <a:srgbClr val="000000"/>
+                </a:solidFill>
+                <a:latin typeface="Menlo" panose="020B0609030804020204" pitchFamily="49" charset="0"/>
+              </a:rPr>
+              <a:t> </a:t>
+            </a:r>
+            <a:r>
+              <a:rPr lang="en" altLang="zh-CN" dirty="0">
+                <a:solidFill>
+                  <a:srgbClr val="001080"/>
+                </a:solidFill>
+                <a:latin typeface="Menlo" panose="020B0609030804020204" pitchFamily="49" charset="0"/>
+              </a:rPr>
+              <a:t>p</a:t>
+            </a:r>
+            <a:r>
+              <a:rPr lang="en" altLang="zh-CN" dirty="0">
+                <a:solidFill>
+                  <a:srgbClr val="000000"/>
+                </a:solidFill>
+                <a:latin typeface="Menlo" panose="020B0609030804020204" pitchFamily="49" charset="0"/>
+              </a:rPr>
+              <a:t>;</a:t>
+            </a:r>
+            <a:r>
+              <a:rPr lang="en" altLang="zh-CN" dirty="0">
+                <a:solidFill>
+                  <a:srgbClr val="008000"/>
+                </a:solidFill>
+                <a:latin typeface="Menlo" panose="020B0609030804020204" pitchFamily="49" charset="0"/>
+              </a:rPr>
+              <a:t> //if its destructor is not virtual</a:t>
+            </a:r>
+            <a:endParaRPr lang="en" altLang="zh-CN" b="0" dirty="0">
+              <a:solidFill>
+                <a:srgbClr val="000000"/>
+              </a:solidFill>
+              <a:effectLst/>
+              <a:latin typeface="Menlo" panose="020B0609030804020204" pitchFamily="49" charset="0"/>
+            </a:endParaRPr>
           </a:p>
         </p:txBody>
       </p:sp>
     </p:spTree>
     <p:extLst>
       <p:ext uri="{BB962C8B-B14F-4D97-AF65-F5344CB8AC3E}">
-        <p14:creationId xmlns:p14="http://schemas.microsoft.com/office/powerpoint/2010/main" val="3999883038"/>
+        <p14:creationId xmlns:p14="http://schemas.microsoft.com/office/powerpoint/2010/main" val="2852195076"/>
       </p:ext>
     </p:extLst>
   </p:cSld>
@@ -7425,10 +7713,10 @@
       </p:grpSpPr>
       <p:sp>
         <p:nvSpPr>
-          <p:cNvPr id="2" name="标题 1">
+          <p:cNvPr id="4" name="标题 3">
             <a:extLst>
               <a:ext uri="{FF2B5EF4-FFF2-40B4-BE49-F238E27FC236}">
-                <a16:creationId xmlns:a16="http://schemas.microsoft.com/office/drawing/2014/main" id="{3285A8FB-574D-1340-A881-5C26BC0CC462}"/>
+                <a16:creationId xmlns:a16="http://schemas.microsoft.com/office/drawing/2014/main" id="{48909F8F-B33E-9244-BB2C-425FBEE38974}"/>
               </a:ext>
             </a:extLst>
           </p:cNvPr>
@@ -7436,7 +7724,7 @@
             <a:spLocks noGrp="1"/>
           </p:cNvSpPr>
           <p:nvPr>
-            <p:ph type="title"/>
+            <p:ph type="ctrTitle"/>
           </p:nvPr>
         </p:nvSpPr>
         <p:spPr/>
@@ -7445,19 +7733,19 @@
           <a:lstStyle/>
           <a:p>
             <a:r>
-              <a:rPr kumimoji="1" lang="en-US" altLang="zh-CN" dirty="0"/>
-              <a:t>Question</a:t>
-            </a:r>
-            <a:endParaRPr kumimoji="1" lang="zh-CN" altLang="en-US" dirty="0"/>
+              <a:rPr lang="en" altLang="zh-CN" dirty="0"/>
+              <a:t>Inheritance and Dynamic Memory Allocation</a:t>
+            </a:r>
+            <a:endParaRPr lang="zh-CN" altLang="en-US" dirty="0"/>
           </a:p>
         </p:txBody>
       </p:sp>
       <p:sp>
         <p:nvSpPr>
-          <p:cNvPr id="3" name="内容占位符 2">
+          <p:cNvPr id="5" name="副标题 4">
             <a:extLst>
               <a:ext uri="{FF2B5EF4-FFF2-40B4-BE49-F238E27FC236}">
-                <a16:creationId xmlns:a16="http://schemas.microsoft.com/office/drawing/2014/main" id="{CF4502EB-C98C-3B4B-BB9B-EC198B1F96CA}"/>
+                <a16:creationId xmlns:a16="http://schemas.microsoft.com/office/drawing/2014/main" id="{3C137B87-D26D-4044-B1B3-1C95FE7E9920}"/>
               </a:ext>
             </a:extLst>
           </p:cNvPr>
@@ -7465,7 +7753,7 @@
             <a:spLocks noGrp="1"/>
           </p:cNvSpPr>
           <p:nvPr>
-            <p:ph idx="1"/>
+            <p:ph type="subTitle" idx="1"/>
           </p:nvPr>
         </p:nvSpPr>
         <p:spPr/>
@@ -7473,36 +7761,14 @@
           <a:bodyPr/>
           <a:lstStyle/>
           <a:p>
-            <a:r>
-              <a:rPr kumimoji="1" lang="en-US" altLang="zh-CN" dirty="0"/>
-              <a:t>If a base class uses dynamic memory allocation, and redefines a copy constructor and assignment operator</a:t>
-            </a:r>
-          </a:p>
-          <a:p>
-            <a:endParaRPr kumimoji="1" lang="en-US" altLang="zh-CN" dirty="0"/>
-          </a:p>
-          <a:p>
-            <a:r>
-              <a:rPr kumimoji="1" lang="en-US" altLang="zh-CN" dirty="0"/>
-              <a:t>Case 1: If no dynamic memory allocation in the derived class, no special operations are needed</a:t>
-            </a:r>
-          </a:p>
-          <a:p>
-            <a:endParaRPr kumimoji="1" lang="en-US" altLang="zh-CN" dirty="0"/>
-          </a:p>
-          <a:p>
-            <a:r>
-              <a:rPr kumimoji="1" lang="en-US" altLang="zh-CN" dirty="0"/>
-              <a:t>Case 2: if dynamic memory is allocated in the derived class, you should redefine a copy constructor and an assignment operator.</a:t>
-            </a:r>
-            <a:endParaRPr kumimoji="1" lang="zh-CN" altLang="en-US" dirty="0"/>
+            <a:endParaRPr lang="zh-CN" altLang="en-US"/>
           </a:p>
         </p:txBody>
       </p:sp>
     </p:spTree>
     <p:extLst>
       <p:ext uri="{BB962C8B-B14F-4D97-AF65-F5344CB8AC3E}">
-        <p14:creationId xmlns:p14="http://schemas.microsoft.com/office/powerpoint/2010/main" val="3666778577"/>
+        <p14:creationId xmlns:p14="http://schemas.microsoft.com/office/powerpoint/2010/main" val="3999883038"/>
       </p:ext>
     </p:extLst>
   </p:cSld>
@@ -7534,7 +7800,7 @@
           <p:cNvPr id="2" name="标题 1">
             <a:extLst>
               <a:ext uri="{FF2B5EF4-FFF2-40B4-BE49-F238E27FC236}">
-                <a16:creationId xmlns:a16="http://schemas.microsoft.com/office/drawing/2014/main" id="{C858A300-F2C4-6C45-A37A-5DF0F61CF24E}"/>
+                <a16:creationId xmlns:a16="http://schemas.microsoft.com/office/drawing/2014/main" id="{3285A8FB-574D-1340-A881-5C26BC0CC462}"/>
               </a:ext>
             </a:extLst>
           </p:cNvPr>
@@ -7552,7 +7818,7 @@
           <a:p>
             <a:r>
               <a:rPr kumimoji="1" lang="en-US" altLang="zh-CN" dirty="0"/>
-              <a:t>Case 2</a:t>
+              <a:t>Question</a:t>
             </a:r>
             <a:endParaRPr kumimoji="1" lang="zh-CN" altLang="en-US" dirty="0"/>
           </a:p>
@@ -7560,882 +7826,55 @@
       </p:sp>
       <p:sp>
         <p:nvSpPr>
-          <p:cNvPr id="4" name="矩形 3">
+          <p:cNvPr id="3" name="内容占位符 2">
             <a:extLst>
               <a:ext uri="{FF2B5EF4-FFF2-40B4-BE49-F238E27FC236}">
-                <a16:creationId xmlns:a16="http://schemas.microsoft.com/office/drawing/2014/main" id="{B19DE747-14AB-E246-814A-1CC9B4DD22F3}"/>
+                <a16:creationId xmlns:a16="http://schemas.microsoft.com/office/drawing/2014/main" id="{CF4502EB-C98C-3B4B-BB9B-EC198B1F96CA}"/>
               </a:ext>
             </a:extLst>
           </p:cNvPr>
-          <p:cNvSpPr/>
-          <p:nvPr/>
-        </p:nvSpPr>
-        <p:spPr>
-          <a:xfrm>
-            <a:off x="1376479" y="1097852"/>
-            <a:ext cx="9977322" cy="5909310"/>
-          </a:xfrm>
-          <a:prstGeom prst="rect">
-            <a:avLst/>
-          </a:prstGeom>
-        </p:spPr>
+          <p:cNvSpPr>
+            <a:spLocks noGrp="1"/>
+          </p:cNvSpPr>
+          <p:nvPr>
+            <p:ph idx="1"/>
+          </p:nvPr>
+        </p:nvSpPr>
+        <p:spPr/>
         <p:txBody>
-          <a:bodyPr wrap="square">
-            <a:spAutoFit/>
-          </a:bodyPr>
+          <a:bodyPr/>
           <a:lstStyle/>
           <a:p>
             <a:r>
-              <a:rPr lang="en" altLang="zh-CN" dirty="0">
-                <a:solidFill>
-                  <a:srgbClr val="0000FF"/>
-                </a:solidFill>
-                <a:latin typeface="Menlo" panose="020B0609030804020204" pitchFamily="49" charset="0"/>
-              </a:rPr>
-              <a:t>class</a:t>
-            </a:r>
-            <a:r>
-              <a:rPr lang="en" altLang="zh-CN" dirty="0">
-                <a:solidFill>
-                  <a:srgbClr val="000000"/>
-                </a:solidFill>
-                <a:latin typeface="Menlo" panose="020B0609030804020204" pitchFamily="49" charset="0"/>
-              </a:rPr>
-              <a:t> </a:t>
-            </a:r>
-            <a:r>
-              <a:rPr lang="en" altLang="zh-CN" dirty="0" err="1">
-                <a:solidFill>
-                  <a:srgbClr val="267F99"/>
-                </a:solidFill>
-                <a:latin typeface="Menlo" panose="020B0609030804020204" pitchFamily="49" charset="0"/>
-              </a:rPr>
-              <a:t>MyMap</a:t>
-            </a:r>
-            <a:r>
-              <a:rPr lang="en" altLang="zh-CN" dirty="0">
-                <a:solidFill>
-                  <a:srgbClr val="000000"/>
-                </a:solidFill>
-                <a:latin typeface="Menlo" panose="020B0609030804020204" pitchFamily="49" charset="0"/>
-              </a:rPr>
-              <a:t>: pubic </a:t>
-            </a:r>
-            <a:r>
-              <a:rPr lang="en" altLang="zh-CN" dirty="0" err="1">
-                <a:solidFill>
-                  <a:srgbClr val="000000"/>
-                </a:solidFill>
-                <a:latin typeface="Menlo" panose="020B0609030804020204" pitchFamily="49" charset="0"/>
-              </a:rPr>
-              <a:t>MyString</a:t>
-            </a:r>
-            <a:endParaRPr lang="en" altLang="zh-CN" dirty="0">
-              <a:solidFill>
-                <a:srgbClr val="000000"/>
-              </a:solidFill>
-              <a:latin typeface="Menlo" panose="020B0609030804020204" pitchFamily="49" charset="0"/>
-            </a:endParaRPr>
-          </a:p>
-          <a:p>
-            <a:r>
-              <a:rPr lang="en" altLang="zh-CN" dirty="0">
-                <a:solidFill>
-                  <a:srgbClr val="000000"/>
-                </a:solidFill>
-                <a:latin typeface="Menlo" panose="020B0609030804020204" pitchFamily="49" charset="0"/>
-              </a:rPr>
-              <a:t>{</a:t>
-            </a:r>
-          </a:p>
-          <a:p>
-            <a:r>
-              <a:rPr lang="en" altLang="zh-CN" dirty="0">
-                <a:solidFill>
-                  <a:srgbClr val="0000FF"/>
-                </a:solidFill>
-                <a:latin typeface="Menlo" panose="020B0609030804020204" pitchFamily="49" charset="0"/>
-              </a:rPr>
-              <a:t>    char</a:t>
-            </a:r>
-            <a:r>
-              <a:rPr lang="en" altLang="zh-CN" dirty="0">
-                <a:solidFill>
-                  <a:srgbClr val="000000"/>
-                </a:solidFill>
-                <a:latin typeface="Menlo" panose="020B0609030804020204" pitchFamily="49" charset="0"/>
-              </a:rPr>
-              <a:t> * </a:t>
-            </a:r>
-            <a:r>
-              <a:rPr lang="en" altLang="zh-CN" dirty="0" err="1">
-                <a:solidFill>
-                  <a:srgbClr val="000000"/>
-                </a:solidFill>
-                <a:latin typeface="Menlo" panose="020B0609030804020204" pitchFamily="49" charset="0"/>
-              </a:rPr>
-              <a:t>keyname</a:t>
-            </a:r>
-            <a:r>
-              <a:rPr lang="en" altLang="zh-CN" dirty="0">
-                <a:solidFill>
-                  <a:srgbClr val="000000"/>
-                </a:solidFill>
-                <a:latin typeface="Menlo" panose="020B0609030804020204" pitchFamily="49" charset="0"/>
-              </a:rPr>
-              <a:t>;</a:t>
-            </a:r>
-          </a:p>
-          <a:p>
-            <a:r>
-              <a:rPr lang="en" altLang="zh-CN" dirty="0">
-                <a:solidFill>
-                  <a:srgbClr val="0000FF"/>
-                </a:solidFill>
-                <a:latin typeface="Menlo" panose="020B0609030804020204" pitchFamily="49" charset="0"/>
-              </a:rPr>
-              <a:t>  public:</a:t>
-            </a:r>
-          </a:p>
-          <a:p>
-            <a:r>
-              <a:rPr lang="en" altLang="zh-CN" dirty="0">
-                <a:solidFill>
-                  <a:srgbClr val="795E26"/>
-                </a:solidFill>
-                <a:latin typeface="Menlo" panose="020B0609030804020204" pitchFamily="49" charset="0"/>
-              </a:rPr>
-              <a:t>    </a:t>
-            </a:r>
-            <a:r>
-              <a:rPr lang="en" altLang="zh-CN" dirty="0" err="1">
-                <a:solidFill>
-                  <a:srgbClr val="795E26"/>
-                </a:solidFill>
-                <a:latin typeface="Menlo" panose="020B0609030804020204" pitchFamily="49" charset="0"/>
-              </a:rPr>
-              <a:t>MyMap</a:t>
-            </a:r>
-            <a:r>
-              <a:rPr lang="en" altLang="zh-CN" dirty="0">
-                <a:solidFill>
-                  <a:srgbClr val="000000"/>
-                </a:solidFill>
-                <a:latin typeface="Menlo" panose="020B0609030804020204" pitchFamily="49" charset="0"/>
-              </a:rPr>
-              <a:t>(</a:t>
-            </a:r>
-            <a:r>
-              <a:rPr lang="en" altLang="zh-CN" dirty="0">
-                <a:solidFill>
-                  <a:srgbClr val="0000FF"/>
-                </a:solidFill>
-                <a:latin typeface="Menlo" panose="020B0609030804020204" pitchFamily="49" charset="0"/>
-              </a:rPr>
-              <a:t>const</a:t>
-            </a:r>
-            <a:r>
-              <a:rPr lang="en" altLang="zh-CN" dirty="0">
-                <a:solidFill>
-                  <a:srgbClr val="000000"/>
-                </a:solidFill>
-                <a:latin typeface="Menlo" panose="020B0609030804020204" pitchFamily="49" charset="0"/>
-              </a:rPr>
-              <a:t> </a:t>
-            </a:r>
-            <a:r>
-              <a:rPr lang="en" altLang="zh-CN" dirty="0">
-                <a:solidFill>
-                  <a:srgbClr val="0000FF"/>
-                </a:solidFill>
-                <a:latin typeface="Menlo" panose="020B0609030804020204" pitchFamily="49" charset="0"/>
-              </a:rPr>
-              <a:t>char</a:t>
-            </a:r>
-            <a:r>
-              <a:rPr lang="en" altLang="zh-CN" dirty="0">
-                <a:solidFill>
-                  <a:srgbClr val="000000"/>
-                </a:solidFill>
-                <a:latin typeface="Menlo" panose="020B0609030804020204" pitchFamily="49" charset="0"/>
-              </a:rPr>
-              <a:t> </a:t>
-            </a:r>
-            <a:r>
-              <a:rPr lang="en" altLang="zh-CN" dirty="0">
-                <a:solidFill>
-                  <a:srgbClr val="0000FF"/>
-                </a:solidFill>
-                <a:latin typeface="Menlo" panose="020B0609030804020204" pitchFamily="49" charset="0"/>
-              </a:rPr>
-              <a:t>*</a:t>
-            </a:r>
-            <a:r>
-              <a:rPr lang="en" altLang="zh-CN" dirty="0">
-                <a:solidFill>
-                  <a:srgbClr val="000000"/>
-                </a:solidFill>
-                <a:latin typeface="Menlo" panose="020B0609030804020204" pitchFamily="49" charset="0"/>
-              </a:rPr>
-              <a:t> </a:t>
-            </a:r>
-            <a:r>
-              <a:rPr lang="en" altLang="zh-CN" dirty="0">
-                <a:solidFill>
-                  <a:srgbClr val="001080"/>
-                </a:solidFill>
-                <a:latin typeface="Menlo" panose="020B0609030804020204" pitchFamily="49" charset="0"/>
-              </a:rPr>
-              <a:t>key</a:t>
-            </a:r>
-            <a:r>
-              <a:rPr lang="en" altLang="zh-CN" dirty="0">
-                <a:solidFill>
-                  <a:srgbClr val="000000"/>
-                </a:solidFill>
-                <a:latin typeface="Menlo" panose="020B0609030804020204" pitchFamily="49" charset="0"/>
-              </a:rPr>
-              <a:t>, </a:t>
-            </a:r>
-            <a:r>
-              <a:rPr lang="en" altLang="zh-CN" dirty="0">
-                <a:solidFill>
-                  <a:srgbClr val="0000FF"/>
-                </a:solidFill>
-                <a:latin typeface="Menlo" panose="020B0609030804020204" pitchFamily="49" charset="0"/>
-              </a:rPr>
-              <a:t>const</a:t>
-            </a:r>
-            <a:r>
-              <a:rPr lang="en" altLang="zh-CN" dirty="0">
-                <a:solidFill>
-                  <a:srgbClr val="000000"/>
-                </a:solidFill>
-                <a:latin typeface="Menlo" panose="020B0609030804020204" pitchFamily="49" charset="0"/>
-              </a:rPr>
-              <a:t> </a:t>
-            </a:r>
-            <a:r>
-              <a:rPr lang="en" altLang="zh-CN" dirty="0">
-                <a:solidFill>
-                  <a:srgbClr val="0000FF"/>
-                </a:solidFill>
-                <a:latin typeface="Menlo" panose="020B0609030804020204" pitchFamily="49" charset="0"/>
-              </a:rPr>
-              <a:t>char</a:t>
-            </a:r>
-            <a:r>
-              <a:rPr lang="en" altLang="zh-CN" dirty="0">
-                <a:solidFill>
-                  <a:srgbClr val="000000"/>
-                </a:solidFill>
-                <a:latin typeface="Menlo" panose="020B0609030804020204" pitchFamily="49" charset="0"/>
-              </a:rPr>
-              <a:t> </a:t>
-            </a:r>
-            <a:r>
-              <a:rPr lang="en" altLang="zh-CN" dirty="0">
-                <a:solidFill>
-                  <a:srgbClr val="0000FF"/>
-                </a:solidFill>
-                <a:latin typeface="Menlo" panose="020B0609030804020204" pitchFamily="49" charset="0"/>
-              </a:rPr>
-              <a:t>*</a:t>
-            </a:r>
-            <a:r>
-              <a:rPr lang="en" altLang="zh-CN" dirty="0">
-                <a:solidFill>
-                  <a:srgbClr val="000000"/>
-                </a:solidFill>
-                <a:latin typeface="Menlo" panose="020B0609030804020204" pitchFamily="49" charset="0"/>
-              </a:rPr>
-              <a:t> </a:t>
-            </a:r>
-            <a:r>
-              <a:rPr lang="en" altLang="zh-CN" dirty="0">
-                <a:solidFill>
-                  <a:srgbClr val="001080"/>
-                </a:solidFill>
-                <a:latin typeface="Menlo" panose="020B0609030804020204" pitchFamily="49" charset="0"/>
-              </a:rPr>
-              <a:t>value</a:t>
-            </a:r>
-            <a:r>
-              <a:rPr lang="en" altLang="zh-CN" dirty="0">
-                <a:solidFill>
-                  <a:srgbClr val="000000"/>
-                </a:solidFill>
-                <a:latin typeface="Menlo" panose="020B0609030804020204" pitchFamily="49" charset="0"/>
-              </a:rPr>
-              <a:t>)</a:t>
-            </a:r>
-          </a:p>
-          <a:p>
-            <a:r>
-              <a:rPr lang="en" altLang="zh-CN" dirty="0">
-                <a:solidFill>
-                  <a:srgbClr val="000000"/>
-                </a:solidFill>
-                <a:latin typeface="Menlo" panose="020B0609030804020204" pitchFamily="49" charset="0"/>
-              </a:rPr>
-              <a:t>    {</a:t>
-            </a:r>
-          </a:p>
-          <a:p>
-            <a:r>
-              <a:rPr lang="en" altLang="zh-CN" dirty="0">
-                <a:solidFill>
-                  <a:srgbClr val="000000"/>
-                </a:solidFill>
-                <a:latin typeface="Menlo" panose="020B0609030804020204" pitchFamily="49" charset="0"/>
-              </a:rPr>
-              <a:t>    ...</a:t>
-            </a:r>
-          </a:p>
-          <a:p>
-            <a:r>
-              <a:rPr lang="en" altLang="zh-CN" dirty="0">
-                <a:solidFill>
-                  <a:srgbClr val="000000"/>
-                </a:solidFill>
-                <a:latin typeface="Menlo" panose="020B0609030804020204" pitchFamily="49" charset="0"/>
-              </a:rPr>
-              <a:t>    }</a:t>
-            </a:r>
-          </a:p>
-          <a:p>
-            <a:r>
-              <a:rPr lang="en" altLang="zh-CN" dirty="0">
-                <a:solidFill>
-                  <a:srgbClr val="795E26"/>
-                </a:solidFill>
-                <a:latin typeface="Menlo" panose="020B0609030804020204" pitchFamily="49" charset="0"/>
-              </a:rPr>
-              <a:t>    </a:t>
-            </a:r>
-            <a:r>
-              <a:rPr lang="en" altLang="zh-CN" dirty="0" err="1">
-                <a:solidFill>
-                  <a:srgbClr val="795E26"/>
-                </a:solidFill>
-                <a:latin typeface="Menlo" panose="020B0609030804020204" pitchFamily="49" charset="0"/>
-              </a:rPr>
-              <a:t>MyMap</a:t>
-            </a:r>
-            <a:r>
-              <a:rPr lang="en" altLang="zh-CN" dirty="0">
-                <a:solidFill>
-                  <a:srgbClr val="000000"/>
-                </a:solidFill>
-                <a:latin typeface="Menlo" panose="020B0609030804020204" pitchFamily="49" charset="0"/>
-              </a:rPr>
-              <a:t>(</a:t>
-            </a:r>
-            <a:r>
-              <a:rPr lang="en" altLang="zh-CN" dirty="0">
-                <a:solidFill>
-                  <a:srgbClr val="0000FF"/>
-                </a:solidFill>
-                <a:latin typeface="Menlo" panose="020B0609030804020204" pitchFamily="49" charset="0"/>
-              </a:rPr>
-              <a:t>const</a:t>
-            </a:r>
-            <a:r>
-              <a:rPr lang="en" altLang="zh-CN" dirty="0">
-                <a:solidFill>
-                  <a:srgbClr val="000000"/>
-                </a:solidFill>
-                <a:latin typeface="Menlo" panose="020B0609030804020204" pitchFamily="49" charset="0"/>
-              </a:rPr>
-              <a:t> </a:t>
-            </a:r>
-            <a:r>
-              <a:rPr lang="en" altLang="zh-CN" dirty="0" err="1">
-                <a:solidFill>
-                  <a:srgbClr val="267F99"/>
-                </a:solidFill>
-                <a:latin typeface="Menlo" panose="020B0609030804020204" pitchFamily="49" charset="0"/>
-              </a:rPr>
-              <a:t>MyMap</a:t>
-            </a:r>
-            <a:r>
-              <a:rPr lang="en" altLang="zh-CN" dirty="0">
-                <a:solidFill>
-                  <a:srgbClr val="000000"/>
-                </a:solidFill>
-                <a:latin typeface="Menlo" panose="020B0609030804020204" pitchFamily="49" charset="0"/>
-              </a:rPr>
-              <a:t> </a:t>
-            </a:r>
-            <a:r>
-              <a:rPr lang="en" altLang="zh-CN" dirty="0">
-                <a:solidFill>
-                  <a:srgbClr val="0000FF"/>
-                </a:solidFill>
-                <a:latin typeface="Menlo" panose="020B0609030804020204" pitchFamily="49" charset="0"/>
-              </a:rPr>
-              <a:t>&amp;</a:t>
-            </a:r>
-            <a:r>
-              <a:rPr lang="en" altLang="zh-CN" dirty="0">
-                <a:solidFill>
-                  <a:srgbClr val="000000"/>
-                </a:solidFill>
-                <a:latin typeface="Menlo" panose="020B0609030804020204" pitchFamily="49" charset="0"/>
-              </a:rPr>
-              <a:t> </a:t>
-            </a:r>
-            <a:r>
-              <a:rPr lang="en" altLang="zh-CN" dirty="0">
-                <a:solidFill>
-                  <a:srgbClr val="001080"/>
-                </a:solidFill>
-                <a:latin typeface="Menlo" panose="020B0609030804020204" pitchFamily="49" charset="0"/>
-              </a:rPr>
-              <a:t>mm</a:t>
-            </a:r>
-            <a:r>
-              <a:rPr lang="en" altLang="zh-CN" dirty="0">
-                <a:solidFill>
-                  <a:srgbClr val="000000"/>
-                </a:solidFill>
-                <a:latin typeface="Menlo" panose="020B0609030804020204" pitchFamily="49" charset="0"/>
-              </a:rPr>
-              <a:t>): </a:t>
-            </a:r>
-            <a:r>
-              <a:rPr lang="en" altLang="zh-CN" dirty="0" err="1">
-                <a:solidFill>
-                  <a:srgbClr val="795E26"/>
-                </a:solidFill>
-                <a:latin typeface="Menlo" panose="020B0609030804020204" pitchFamily="49" charset="0"/>
-              </a:rPr>
-              <a:t>MyString</a:t>
-            </a:r>
-            <a:r>
-              <a:rPr lang="en" altLang="zh-CN" dirty="0">
-                <a:solidFill>
-                  <a:srgbClr val="000000"/>
-                </a:solidFill>
-                <a:latin typeface="Menlo" panose="020B0609030804020204" pitchFamily="49" charset="0"/>
-              </a:rPr>
-              <a:t>(</a:t>
-            </a:r>
-            <a:r>
-              <a:rPr lang="en" altLang="zh-CN" dirty="0" err="1">
-                <a:solidFill>
-                  <a:srgbClr val="001080"/>
-                </a:solidFill>
-                <a:latin typeface="Menlo" panose="020B0609030804020204" pitchFamily="49" charset="0"/>
-              </a:rPr>
-              <a:t>mm</a:t>
-            </a:r>
-            <a:r>
-              <a:rPr lang="en" altLang="zh-CN" dirty="0" err="1">
-                <a:solidFill>
-                  <a:srgbClr val="000000"/>
-                </a:solidFill>
-                <a:latin typeface="Menlo" panose="020B0609030804020204" pitchFamily="49" charset="0"/>
-              </a:rPr>
-              <a:t>.</a:t>
-            </a:r>
-            <a:r>
-              <a:rPr lang="en" altLang="zh-CN" dirty="0" err="1">
-                <a:solidFill>
-                  <a:srgbClr val="001080"/>
-                </a:solidFill>
-                <a:latin typeface="Menlo" panose="020B0609030804020204" pitchFamily="49" charset="0"/>
-              </a:rPr>
-              <a:t>buf_len</a:t>
-            </a:r>
-            <a:r>
-              <a:rPr lang="en" altLang="zh-CN" dirty="0">
-                <a:solidFill>
-                  <a:srgbClr val="000000"/>
-                </a:solidFill>
-                <a:latin typeface="Menlo" panose="020B0609030804020204" pitchFamily="49" charset="0"/>
-              </a:rPr>
-              <a:t>, </a:t>
-            </a:r>
-            <a:r>
-              <a:rPr lang="en" altLang="zh-CN" dirty="0" err="1">
-                <a:solidFill>
-                  <a:srgbClr val="001080"/>
-                </a:solidFill>
-                <a:latin typeface="Menlo" panose="020B0609030804020204" pitchFamily="49" charset="0"/>
-              </a:rPr>
-              <a:t>mm</a:t>
-            </a:r>
-            <a:r>
-              <a:rPr lang="en" altLang="zh-CN" dirty="0" err="1">
-                <a:solidFill>
-                  <a:srgbClr val="000000"/>
-                </a:solidFill>
-                <a:latin typeface="Menlo" panose="020B0609030804020204" pitchFamily="49" charset="0"/>
-              </a:rPr>
-              <a:t>.</a:t>
-            </a:r>
-            <a:r>
-              <a:rPr lang="en" altLang="zh-CN" dirty="0" err="1">
-                <a:solidFill>
-                  <a:srgbClr val="001080"/>
-                </a:solidFill>
-                <a:latin typeface="Menlo" panose="020B0609030804020204" pitchFamily="49" charset="0"/>
-              </a:rPr>
-              <a:t>characters</a:t>
-            </a:r>
-            <a:r>
-              <a:rPr lang="en" altLang="zh-CN" dirty="0">
-                <a:solidFill>
-                  <a:srgbClr val="000000"/>
-                </a:solidFill>
-                <a:latin typeface="Menlo" panose="020B0609030804020204" pitchFamily="49" charset="0"/>
-              </a:rPr>
-              <a:t>)</a:t>
-            </a:r>
-          </a:p>
-          <a:p>
-            <a:r>
-              <a:rPr lang="en" altLang="zh-CN" dirty="0">
-                <a:solidFill>
-                  <a:srgbClr val="000000"/>
-                </a:solidFill>
-                <a:latin typeface="Menlo" panose="020B0609030804020204" pitchFamily="49" charset="0"/>
-              </a:rPr>
-              <a:t>    {</a:t>
-            </a:r>
-          </a:p>
-          <a:p>
-            <a:r>
-              <a:rPr lang="en" altLang="zh-CN" dirty="0">
-                <a:solidFill>
-                  <a:srgbClr val="008000"/>
-                </a:solidFill>
-                <a:latin typeface="Menlo" panose="020B0609030804020204" pitchFamily="49" charset="0"/>
-              </a:rPr>
-              <a:t>    //allocate memory for </a:t>
-            </a:r>
-            <a:r>
-              <a:rPr lang="en" altLang="zh-CN" dirty="0" err="1">
-                <a:solidFill>
-                  <a:srgbClr val="008000"/>
-                </a:solidFill>
-                <a:latin typeface="Menlo" panose="020B0609030804020204" pitchFamily="49" charset="0"/>
-              </a:rPr>
-              <a:t>keyname</a:t>
-            </a:r>
-            <a:endParaRPr lang="en" altLang="zh-CN" dirty="0">
-              <a:solidFill>
-                <a:srgbClr val="000000"/>
-              </a:solidFill>
-              <a:latin typeface="Menlo" panose="020B0609030804020204" pitchFamily="49" charset="0"/>
-            </a:endParaRPr>
-          </a:p>
-          <a:p>
-            <a:r>
-              <a:rPr lang="en" altLang="zh-CN" dirty="0">
-                <a:solidFill>
-                  <a:srgbClr val="008000"/>
-                </a:solidFill>
-                <a:latin typeface="Menlo" panose="020B0609030804020204" pitchFamily="49" charset="0"/>
-              </a:rPr>
-              <a:t>    //and hard copy from mm to *this</a:t>
-            </a:r>
-            <a:endParaRPr lang="en" altLang="zh-CN" dirty="0">
-              <a:solidFill>
-                <a:srgbClr val="000000"/>
-              </a:solidFill>
-              <a:latin typeface="Menlo" panose="020B0609030804020204" pitchFamily="49" charset="0"/>
-            </a:endParaRPr>
-          </a:p>
-          <a:p>
-            <a:r>
-              <a:rPr lang="en" altLang="zh-CN" dirty="0">
-                <a:solidFill>
-                  <a:srgbClr val="000000"/>
-                </a:solidFill>
-                <a:latin typeface="Menlo" panose="020B0609030804020204" pitchFamily="49" charset="0"/>
-              </a:rPr>
-              <a:t>    }</a:t>
-            </a:r>
-          </a:p>
-          <a:p>
-            <a:r>
-              <a:rPr lang="en" altLang="zh-CN" dirty="0">
-                <a:solidFill>
-                  <a:srgbClr val="267F99"/>
-                </a:solidFill>
-                <a:latin typeface="Menlo" panose="020B0609030804020204" pitchFamily="49" charset="0"/>
-              </a:rPr>
-              <a:t>    </a:t>
-            </a:r>
-            <a:r>
-              <a:rPr lang="en" altLang="zh-CN" dirty="0" err="1">
-                <a:solidFill>
-                  <a:srgbClr val="267F99"/>
-                </a:solidFill>
-                <a:latin typeface="Menlo" panose="020B0609030804020204" pitchFamily="49" charset="0"/>
-              </a:rPr>
-              <a:t>MyMap</a:t>
-            </a:r>
-            <a:r>
-              <a:rPr lang="en" altLang="zh-CN" dirty="0">
-                <a:solidFill>
-                  <a:srgbClr val="000000"/>
-                </a:solidFill>
-                <a:latin typeface="Menlo" panose="020B0609030804020204" pitchFamily="49" charset="0"/>
-              </a:rPr>
-              <a:t> </a:t>
-            </a:r>
-            <a:r>
-              <a:rPr lang="en" altLang="zh-CN" dirty="0">
-                <a:solidFill>
-                  <a:srgbClr val="0000FF"/>
-                </a:solidFill>
-                <a:latin typeface="Menlo" panose="020B0609030804020204" pitchFamily="49" charset="0"/>
-              </a:rPr>
-              <a:t>&amp;</a:t>
-            </a:r>
-            <a:r>
-              <a:rPr lang="en" altLang="zh-CN" dirty="0">
-                <a:solidFill>
-                  <a:srgbClr val="000000"/>
-                </a:solidFill>
-                <a:latin typeface="Menlo" panose="020B0609030804020204" pitchFamily="49" charset="0"/>
-              </a:rPr>
-              <a:t> </a:t>
-            </a:r>
-            <a:r>
-              <a:rPr lang="en" altLang="zh-CN" dirty="0">
-                <a:solidFill>
-                  <a:srgbClr val="AF00DB"/>
-                </a:solidFill>
-                <a:latin typeface="Menlo" panose="020B0609030804020204" pitchFamily="49" charset="0"/>
-              </a:rPr>
-              <a:t>operator=</a:t>
-            </a:r>
-            <a:r>
-              <a:rPr lang="en" altLang="zh-CN" dirty="0">
-                <a:solidFill>
-                  <a:srgbClr val="000000"/>
-                </a:solidFill>
-                <a:latin typeface="Menlo" panose="020B0609030804020204" pitchFamily="49" charset="0"/>
-              </a:rPr>
-              <a:t>(</a:t>
-            </a:r>
-            <a:r>
-              <a:rPr lang="en" altLang="zh-CN" dirty="0">
-                <a:solidFill>
-                  <a:srgbClr val="0000FF"/>
-                </a:solidFill>
-                <a:latin typeface="Menlo" panose="020B0609030804020204" pitchFamily="49" charset="0"/>
-              </a:rPr>
-              <a:t>const</a:t>
-            </a:r>
-            <a:r>
-              <a:rPr lang="en" altLang="zh-CN" dirty="0">
-                <a:solidFill>
-                  <a:srgbClr val="000000"/>
-                </a:solidFill>
-                <a:latin typeface="Menlo" panose="020B0609030804020204" pitchFamily="49" charset="0"/>
-              </a:rPr>
-              <a:t> </a:t>
-            </a:r>
-            <a:r>
-              <a:rPr lang="en" altLang="zh-CN" dirty="0" err="1">
-                <a:solidFill>
-                  <a:srgbClr val="267F99"/>
-                </a:solidFill>
-                <a:latin typeface="Menlo" panose="020B0609030804020204" pitchFamily="49" charset="0"/>
-              </a:rPr>
-              <a:t>MyMap</a:t>
-            </a:r>
-            <a:r>
-              <a:rPr lang="en" altLang="zh-CN" dirty="0">
-                <a:solidFill>
-                  <a:srgbClr val="000000"/>
-                </a:solidFill>
-                <a:latin typeface="Menlo" panose="020B0609030804020204" pitchFamily="49" charset="0"/>
-              </a:rPr>
-              <a:t> </a:t>
-            </a:r>
-            <a:r>
-              <a:rPr lang="en" altLang="zh-CN" dirty="0">
-                <a:solidFill>
-                  <a:srgbClr val="0000FF"/>
-                </a:solidFill>
-                <a:latin typeface="Menlo" panose="020B0609030804020204" pitchFamily="49" charset="0"/>
-              </a:rPr>
-              <a:t>&amp;</a:t>
-            </a:r>
-            <a:r>
-              <a:rPr lang="en" altLang="zh-CN" dirty="0">
-                <a:solidFill>
-                  <a:srgbClr val="001080"/>
-                </a:solidFill>
-                <a:latin typeface="Menlo" panose="020B0609030804020204" pitchFamily="49" charset="0"/>
-              </a:rPr>
-              <a:t>mm</a:t>
-            </a:r>
-            <a:r>
-              <a:rPr lang="en" altLang="zh-CN" dirty="0">
-                <a:solidFill>
-                  <a:srgbClr val="000000"/>
-                </a:solidFill>
-                <a:latin typeface="Menlo" panose="020B0609030804020204" pitchFamily="49" charset="0"/>
-              </a:rPr>
-              <a:t>)</a:t>
-            </a:r>
-          </a:p>
-          <a:p>
-            <a:r>
-              <a:rPr lang="en" altLang="zh-CN" dirty="0">
-                <a:solidFill>
-                  <a:srgbClr val="000000"/>
-                </a:solidFill>
-                <a:latin typeface="Menlo" panose="020B0609030804020204" pitchFamily="49" charset="0"/>
-              </a:rPr>
-              <a:t>    {</a:t>
-            </a:r>
-          </a:p>
-          <a:p>
-            <a:r>
-              <a:rPr lang="en" altLang="zh-CN" dirty="0">
-                <a:solidFill>
-                  <a:srgbClr val="267F99"/>
-                </a:solidFill>
-                <a:latin typeface="Menlo" panose="020B0609030804020204" pitchFamily="49" charset="0"/>
-              </a:rPr>
-              <a:t>       </a:t>
-            </a:r>
-            <a:r>
-              <a:rPr lang="en" altLang="zh-CN" dirty="0" err="1">
-                <a:solidFill>
-                  <a:srgbClr val="267F99"/>
-                </a:solidFill>
-                <a:latin typeface="Menlo" panose="020B0609030804020204" pitchFamily="49" charset="0"/>
-              </a:rPr>
-              <a:t>MyMap</a:t>
-            </a:r>
-            <a:r>
-              <a:rPr lang="en" altLang="zh-CN" dirty="0">
-                <a:solidFill>
-                  <a:srgbClr val="000000"/>
-                </a:solidFill>
-                <a:latin typeface="Menlo" panose="020B0609030804020204" pitchFamily="49" charset="0"/>
-              </a:rPr>
-              <a:t>::operator=(mm);</a:t>
-            </a:r>
-          </a:p>
-          <a:p>
-            <a:r>
-              <a:rPr lang="en" altLang="zh-CN" dirty="0">
-                <a:solidFill>
-                  <a:srgbClr val="008000"/>
-                </a:solidFill>
-                <a:latin typeface="Menlo" panose="020B0609030804020204" pitchFamily="49" charset="0"/>
-              </a:rPr>
-              <a:t>       //allocate memory for </a:t>
-            </a:r>
-            <a:r>
-              <a:rPr lang="en" altLang="zh-CN" dirty="0" err="1">
-                <a:solidFill>
-                  <a:srgbClr val="008000"/>
-                </a:solidFill>
-                <a:latin typeface="Menlo" panose="020B0609030804020204" pitchFamily="49" charset="0"/>
-              </a:rPr>
-              <a:t>keyname</a:t>
-            </a:r>
-            <a:endParaRPr lang="en" altLang="zh-CN" dirty="0">
-              <a:solidFill>
-                <a:srgbClr val="000000"/>
-              </a:solidFill>
-              <a:latin typeface="Menlo" panose="020B0609030804020204" pitchFamily="49" charset="0"/>
-            </a:endParaRPr>
-          </a:p>
-          <a:p>
-            <a:r>
-              <a:rPr lang="en" altLang="zh-CN" dirty="0">
-                <a:solidFill>
-                  <a:srgbClr val="008000"/>
-                </a:solidFill>
-                <a:latin typeface="Menlo" panose="020B0609030804020204" pitchFamily="49" charset="0"/>
-              </a:rPr>
-              <a:t>       //and hard copy from mm to *this</a:t>
-            </a:r>
-            <a:endParaRPr lang="en" altLang="zh-CN" dirty="0">
-              <a:solidFill>
-                <a:srgbClr val="000000"/>
-              </a:solidFill>
-              <a:latin typeface="Menlo" panose="020B0609030804020204" pitchFamily="49" charset="0"/>
-            </a:endParaRPr>
-          </a:p>
-          <a:p>
-            <a:r>
-              <a:rPr lang="en" altLang="zh-CN" dirty="0">
-                <a:solidFill>
-                  <a:srgbClr val="AF00DB"/>
-                </a:solidFill>
-                <a:latin typeface="Menlo" panose="020B0609030804020204" pitchFamily="49" charset="0"/>
-              </a:rPr>
-              <a:t>       return</a:t>
-            </a:r>
-            <a:r>
-              <a:rPr lang="en" altLang="zh-CN" dirty="0">
-                <a:solidFill>
-                  <a:srgbClr val="000000"/>
-                </a:solidFill>
-                <a:latin typeface="Menlo" panose="020B0609030804020204" pitchFamily="49" charset="0"/>
-              </a:rPr>
-              <a:t> *</a:t>
-            </a:r>
-            <a:r>
-              <a:rPr lang="en" altLang="zh-CN" dirty="0">
-                <a:solidFill>
-                  <a:srgbClr val="0000FF"/>
-                </a:solidFill>
-                <a:latin typeface="Menlo" panose="020B0609030804020204" pitchFamily="49" charset="0"/>
-              </a:rPr>
-              <a:t>this</a:t>
-            </a:r>
-            <a:r>
-              <a:rPr lang="en" altLang="zh-CN" dirty="0">
-                <a:solidFill>
-                  <a:srgbClr val="000000"/>
-                </a:solidFill>
-                <a:latin typeface="Menlo" panose="020B0609030804020204" pitchFamily="49" charset="0"/>
-              </a:rPr>
-              <a:t>;</a:t>
-            </a:r>
-          </a:p>
-          <a:p>
-            <a:r>
-              <a:rPr lang="en" altLang="zh-CN" dirty="0">
-                <a:solidFill>
-                  <a:srgbClr val="000000"/>
-                </a:solidFill>
-                <a:latin typeface="Menlo" panose="020B0609030804020204" pitchFamily="49" charset="0"/>
-              </a:rPr>
-              <a:t>    }</a:t>
-            </a:r>
-          </a:p>
-          <a:p>
-            <a:r>
-              <a:rPr lang="en" altLang="zh-CN" dirty="0">
-                <a:solidFill>
-                  <a:srgbClr val="000000"/>
-                </a:solidFill>
-                <a:latin typeface="Menlo" panose="020B0609030804020204" pitchFamily="49" charset="0"/>
-              </a:rPr>
-              <a:t>};</a:t>
-            </a:r>
+              <a:rPr kumimoji="1" lang="en-US" altLang="zh-CN" dirty="0"/>
+              <a:t>If a base class uses dynamic memory allocation, and redefines a copy constructor and assignment operator</a:t>
+            </a:r>
+          </a:p>
+          <a:p>
+            <a:endParaRPr kumimoji="1" lang="en-US" altLang="zh-CN" dirty="0"/>
+          </a:p>
+          <a:p>
+            <a:r>
+              <a:rPr kumimoji="1" lang="en-US" altLang="zh-CN" dirty="0"/>
+              <a:t>Case 1: If no dynamic memory allocation in the derived class, no special operations are needed</a:t>
+            </a:r>
+          </a:p>
+          <a:p>
+            <a:endParaRPr kumimoji="1" lang="en-US" altLang="zh-CN" dirty="0"/>
+          </a:p>
+          <a:p>
+            <a:r>
+              <a:rPr kumimoji="1" lang="en-US" altLang="zh-CN" dirty="0"/>
+              <a:t>Case 2: if dynamic memory is allocated in the derived class, you should redefine a copy constructor and an assignment operator.</a:t>
+            </a:r>
+            <a:endParaRPr kumimoji="1" lang="zh-CN" altLang="en-US" dirty="0"/>
           </a:p>
         </p:txBody>
       </p:sp>
     </p:spTree>
     <p:extLst>
       <p:ext uri="{BB962C8B-B14F-4D97-AF65-F5344CB8AC3E}">
-        <p14:creationId xmlns:p14="http://schemas.microsoft.com/office/powerpoint/2010/main" val="3636006177"/>
+        <p14:creationId xmlns:p14="http://schemas.microsoft.com/office/powerpoint/2010/main" val="3666778577"/>
       </p:ext>
     </p:extLst>
   </p:cSld>
@@ -8548,6 +7987,939 @@
       </p:grpSpPr>
       <p:sp>
         <p:nvSpPr>
+          <p:cNvPr id="2" name="标题 1">
+            <a:extLst>
+              <a:ext uri="{FF2B5EF4-FFF2-40B4-BE49-F238E27FC236}">
+                <a16:creationId xmlns:a16="http://schemas.microsoft.com/office/drawing/2014/main" id="{C858A300-F2C4-6C45-A37A-5DF0F61CF24E}"/>
+              </a:ext>
+            </a:extLst>
+          </p:cNvPr>
+          <p:cNvSpPr>
+            <a:spLocks noGrp="1"/>
+          </p:cNvSpPr>
+          <p:nvPr>
+            <p:ph type="title"/>
+          </p:nvPr>
+        </p:nvSpPr>
+        <p:spPr/>
+        <p:txBody>
+          <a:bodyPr/>
+          <a:lstStyle/>
+          <a:p>
+            <a:r>
+              <a:rPr kumimoji="1" lang="en-US" altLang="zh-CN" dirty="0"/>
+              <a:t>Case 2</a:t>
+            </a:r>
+            <a:endParaRPr kumimoji="1" lang="zh-CN" altLang="en-US" dirty="0"/>
+          </a:p>
+        </p:txBody>
+      </p:sp>
+      <p:sp>
+        <p:nvSpPr>
+          <p:cNvPr id="4" name="矩形 3">
+            <a:extLst>
+              <a:ext uri="{FF2B5EF4-FFF2-40B4-BE49-F238E27FC236}">
+                <a16:creationId xmlns:a16="http://schemas.microsoft.com/office/drawing/2014/main" id="{B19DE747-14AB-E246-814A-1CC9B4DD22F3}"/>
+              </a:ext>
+            </a:extLst>
+          </p:cNvPr>
+          <p:cNvSpPr/>
+          <p:nvPr/>
+        </p:nvSpPr>
+        <p:spPr>
+          <a:xfrm>
+            <a:off x="1376479" y="1097852"/>
+            <a:ext cx="9977322" cy="5909310"/>
+          </a:xfrm>
+          <a:prstGeom prst="rect">
+            <a:avLst/>
+          </a:prstGeom>
+        </p:spPr>
+        <p:txBody>
+          <a:bodyPr wrap="square">
+            <a:spAutoFit/>
+          </a:bodyPr>
+          <a:lstStyle/>
+          <a:p>
+            <a:r>
+              <a:rPr lang="en" altLang="zh-CN" dirty="0">
+                <a:solidFill>
+                  <a:srgbClr val="0000FF"/>
+                </a:solidFill>
+                <a:latin typeface="Menlo" panose="020B0609030804020204" pitchFamily="49" charset="0"/>
+              </a:rPr>
+              <a:t>class</a:t>
+            </a:r>
+            <a:r>
+              <a:rPr lang="en" altLang="zh-CN" dirty="0">
+                <a:solidFill>
+                  <a:srgbClr val="000000"/>
+                </a:solidFill>
+                <a:latin typeface="Menlo" panose="020B0609030804020204" pitchFamily="49" charset="0"/>
+              </a:rPr>
+              <a:t> </a:t>
+            </a:r>
+            <a:r>
+              <a:rPr lang="en" altLang="zh-CN" dirty="0" err="1">
+                <a:solidFill>
+                  <a:srgbClr val="267F99"/>
+                </a:solidFill>
+                <a:latin typeface="Menlo" panose="020B0609030804020204" pitchFamily="49" charset="0"/>
+              </a:rPr>
+              <a:t>MyMap</a:t>
+            </a:r>
+            <a:r>
+              <a:rPr lang="en" altLang="zh-CN" dirty="0">
+                <a:solidFill>
+                  <a:srgbClr val="000000"/>
+                </a:solidFill>
+                <a:latin typeface="Menlo" panose="020B0609030804020204" pitchFamily="49" charset="0"/>
+              </a:rPr>
+              <a:t>: pubic </a:t>
+            </a:r>
+            <a:r>
+              <a:rPr lang="en" altLang="zh-CN" dirty="0" err="1">
+                <a:solidFill>
+                  <a:srgbClr val="000000"/>
+                </a:solidFill>
+                <a:latin typeface="Menlo" panose="020B0609030804020204" pitchFamily="49" charset="0"/>
+              </a:rPr>
+              <a:t>MyString</a:t>
+            </a:r>
+            <a:endParaRPr lang="en" altLang="zh-CN" dirty="0">
+              <a:solidFill>
+                <a:srgbClr val="000000"/>
+              </a:solidFill>
+              <a:latin typeface="Menlo" panose="020B0609030804020204" pitchFamily="49" charset="0"/>
+            </a:endParaRPr>
+          </a:p>
+          <a:p>
+            <a:r>
+              <a:rPr lang="en" altLang="zh-CN" dirty="0">
+                <a:solidFill>
+                  <a:srgbClr val="000000"/>
+                </a:solidFill>
+                <a:latin typeface="Menlo" panose="020B0609030804020204" pitchFamily="49" charset="0"/>
+              </a:rPr>
+              <a:t>{</a:t>
+            </a:r>
+          </a:p>
+          <a:p>
+            <a:r>
+              <a:rPr lang="en" altLang="zh-CN" dirty="0">
+                <a:solidFill>
+                  <a:srgbClr val="0000FF"/>
+                </a:solidFill>
+                <a:latin typeface="Menlo" panose="020B0609030804020204" pitchFamily="49" charset="0"/>
+              </a:rPr>
+              <a:t>    char</a:t>
+            </a:r>
+            <a:r>
+              <a:rPr lang="en" altLang="zh-CN" dirty="0">
+                <a:solidFill>
+                  <a:srgbClr val="000000"/>
+                </a:solidFill>
+                <a:latin typeface="Menlo" panose="020B0609030804020204" pitchFamily="49" charset="0"/>
+              </a:rPr>
+              <a:t> * </a:t>
+            </a:r>
+            <a:r>
+              <a:rPr lang="en" altLang="zh-CN" dirty="0" err="1">
+                <a:solidFill>
+                  <a:srgbClr val="000000"/>
+                </a:solidFill>
+                <a:latin typeface="Menlo" panose="020B0609030804020204" pitchFamily="49" charset="0"/>
+              </a:rPr>
+              <a:t>keyname</a:t>
+            </a:r>
+            <a:r>
+              <a:rPr lang="en" altLang="zh-CN" dirty="0">
+                <a:solidFill>
+                  <a:srgbClr val="000000"/>
+                </a:solidFill>
+                <a:latin typeface="Menlo" panose="020B0609030804020204" pitchFamily="49" charset="0"/>
+              </a:rPr>
+              <a:t>;</a:t>
+            </a:r>
+          </a:p>
+          <a:p>
+            <a:r>
+              <a:rPr lang="en" altLang="zh-CN" dirty="0">
+                <a:solidFill>
+                  <a:srgbClr val="0000FF"/>
+                </a:solidFill>
+                <a:latin typeface="Menlo" panose="020B0609030804020204" pitchFamily="49" charset="0"/>
+              </a:rPr>
+              <a:t>  public:</a:t>
+            </a:r>
+          </a:p>
+          <a:p>
+            <a:r>
+              <a:rPr lang="en" altLang="zh-CN" dirty="0">
+                <a:solidFill>
+                  <a:srgbClr val="795E26"/>
+                </a:solidFill>
+                <a:latin typeface="Menlo" panose="020B0609030804020204" pitchFamily="49" charset="0"/>
+              </a:rPr>
+              <a:t>    </a:t>
+            </a:r>
+            <a:r>
+              <a:rPr lang="en" altLang="zh-CN" dirty="0" err="1">
+                <a:solidFill>
+                  <a:srgbClr val="795E26"/>
+                </a:solidFill>
+                <a:latin typeface="Menlo" panose="020B0609030804020204" pitchFamily="49" charset="0"/>
+              </a:rPr>
+              <a:t>MyMap</a:t>
+            </a:r>
+            <a:r>
+              <a:rPr lang="en" altLang="zh-CN" dirty="0">
+                <a:solidFill>
+                  <a:srgbClr val="000000"/>
+                </a:solidFill>
+                <a:latin typeface="Menlo" panose="020B0609030804020204" pitchFamily="49" charset="0"/>
+              </a:rPr>
+              <a:t>(</a:t>
+            </a:r>
+            <a:r>
+              <a:rPr lang="en" altLang="zh-CN" dirty="0">
+                <a:solidFill>
+                  <a:srgbClr val="0000FF"/>
+                </a:solidFill>
+                <a:latin typeface="Menlo" panose="020B0609030804020204" pitchFamily="49" charset="0"/>
+              </a:rPr>
+              <a:t>const</a:t>
+            </a:r>
+            <a:r>
+              <a:rPr lang="en" altLang="zh-CN" dirty="0">
+                <a:solidFill>
+                  <a:srgbClr val="000000"/>
+                </a:solidFill>
+                <a:latin typeface="Menlo" panose="020B0609030804020204" pitchFamily="49" charset="0"/>
+              </a:rPr>
+              <a:t> </a:t>
+            </a:r>
+            <a:r>
+              <a:rPr lang="en" altLang="zh-CN" dirty="0">
+                <a:solidFill>
+                  <a:srgbClr val="0000FF"/>
+                </a:solidFill>
+                <a:latin typeface="Menlo" panose="020B0609030804020204" pitchFamily="49" charset="0"/>
+              </a:rPr>
+              <a:t>char</a:t>
+            </a:r>
+            <a:r>
+              <a:rPr lang="en" altLang="zh-CN" dirty="0">
+                <a:solidFill>
+                  <a:srgbClr val="000000"/>
+                </a:solidFill>
+                <a:latin typeface="Menlo" panose="020B0609030804020204" pitchFamily="49" charset="0"/>
+              </a:rPr>
+              <a:t> </a:t>
+            </a:r>
+            <a:r>
+              <a:rPr lang="en" altLang="zh-CN" dirty="0">
+                <a:solidFill>
+                  <a:srgbClr val="0000FF"/>
+                </a:solidFill>
+                <a:latin typeface="Menlo" panose="020B0609030804020204" pitchFamily="49" charset="0"/>
+              </a:rPr>
+              <a:t>*</a:t>
+            </a:r>
+            <a:r>
+              <a:rPr lang="en" altLang="zh-CN" dirty="0">
+                <a:solidFill>
+                  <a:srgbClr val="000000"/>
+                </a:solidFill>
+                <a:latin typeface="Menlo" panose="020B0609030804020204" pitchFamily="49" charset="0"/>
+              </a:rPr>
+              <a:t> </a:t>
+            </a:r>
+            <a:r>
+              <a:rPr lang="en" altLang="zh-CN" dirty="0">
+                <a:solidFill>
+                  <a:srgbClr val="001080"/>
+                </a:solidFill>
+                <a:latin typeface="Menlo" panose="020B0609030804020204" pitchFamily="49" charset="0"/>
+              </a:rPr>
+              <a:t>key</a:t>
+            </a:r>
+            <a:r>
+              <a:rPr lang="en" altLang="zh-CN" dirty="0">
+                <a:solidFill>
+                  <a:srgbClr val="000000"/>
+                </a:solidFill>
+                <a:latin typeface="Menlo" panose="020B0609030804020204" pitchFamily="49" charset="0"/>
+              </a:rPr>
+              <a:t>, </a:t>
+            </a:r>
+            <a:r>
+              <a:rPr lang="en" altLang="zh-CN" dirty="0">
+                <a:solidFill>
+                  <a:srgbClr val="0000FF"/>
+                </a:solidFill>
+                <a:latin typeface="Menlo" panose="020B0609030804020204" pitchFamily="49" charset="0"/>
+              </a:rPr>
+              <a:t>const</a:t>
+            </a:r>
+            <a:r>
+              <a:rPr lang="en" altLang="zh-CN" dirty="0">
+                <a:solidFill>
+                  <a:srgbClr val="000000"/>
+                </a:solidFill>
+                <a:latin typeface="Menlo" panose="020B0609030804020204" pitchFamily="49" charset="0"/>
+              </a:rPr>
+              <a:t> </a:t>
+            </a:r>
+            <a:r>
+              <a:rPr lang="en" altLang="zh-CN" dirty="0">
+                <a:solidFill>
+                  <a:srgbClr val="0000FF"/>
+                </a:solidFill>
+                <a:latin typeface="Menlo" panose="020B0609030804020204" pitchFamily="49" charset="0"/>
+              </a:rPr>
+              <a:t>char</a:t>
+            </a:r>
+            <a:r>
+              <a:rPr lang="en" altLang="zh-CN" dirty="0">
+                <a:solidFill>
+                  <a:srgbClr val="000000"/>
+                </a:solidFill>
+                <a:latin typeface="Menlo" panose="020B0609030804020204" pitchFamily="49" charset="0"/>
+              </a:rPr>
+              <a:t> </a:t>
+            </a:r>
+            <a:r>
+              <a:rPr lang="en" altLang="zh-CN" dirty="0">
+                <a:solidFill>
+                  <a:srgbClr val="0000FF"/>
+                </a:solidFill>
+                <a:latin typeface="Menlo" panose="020B0609030804020204" pitchFamily="49" charset="0"/>
+              </a:rPr>
+              <a:t>*</a:t>
+            </a:r>
+            <a:r>
+              <a:rPr lang="en" altLang="zh-CN" dirty="0">
+                <a:solidFill>
+                  <a:srgbClr val="000000"/>
+                </a:solidFill>
+                <a:latin typeface="Menlo" panose="020B0609030804020204" pitchFamily="49" charset="0"/>
+              </a:rPr>
+              <a:t> </a:t>
+            </a:r>
+            <a:r>
+              <a:rPr lang="en" altLang="zh-CN" dirty="0">
+                <a:solidFill>
+                  <a:srgbClr val="001080"/>
+                </a:solidFill>
+                <a:latin typeface="Menlo" panose="020B0609030804020204" pitchFamily="49" charset="0"/>
+              </a:rPr>
+              <a:t>value</a:t>
+            </a:r>
+            <a:r>
+              <a:rPr lang="en" altLang="zh-CN" dirty="0">
+                <a:solidFill>
+                  <a:srgbClr val="000000"/>
+                </a:solidFill>
+                <a:latin typeface="Menlo" panose="020B0609030804020204" pitchFamily="49" charset="0"/>
+              </a:rPr>
+              <a:t>)</a:t>
+            </a:r>
+          </a:p>
+          <a:p>
+            <a:r>
+              <a:rPr lang="en" altLang="zh-CN" dirty="0">
+                <a:solidFill>
+                  <a:srgbClr val="000000"/>
+                </a:solidFill>
+                <a:latin typeface="Menlo" panose="020B0609030804020204" pitchFamily="49" charset="0"/>
+              </a:rPr>
+              <a:t>    {</a:t>
+            </a:r>
+          </a:p>
+          <a:p>
+            <a:r>
+              <a:rPr lang="en" altLang="zh-CN" dirty="0">
+                <a:solidFill>
+                  <a:srgbClr val="000000"/>
+                </a:solidFill>
+                <a:latin typeface="Menlo" panose="020B0609030804020204" pitchFamily="49" charset="0"/>
+              </a:rPr>
+              <a:t>    ...</a:t>
+            </a:r>
+          </a:p>
+          <a:p>
+            <a:r>
+              <a:rPr lang="en" altLang="zh-CN" dirty="0">
+                <a:solidFill>
+                  <a:srgbClr val="000000"/>
+                </a:solidFill>
+                <a:latin typeface="Menlo" panose="020B0609030804020204" pitchFamily="49" charset="0"/>
+              </a:rPr>
+              <a:t>    }</a:t>
+            </a:r>
+          </a:p>
+          <a:p>
+            <a:r>
+              <a:rPr lang="en" altLang="zh-CN" dirty="0">
+                <a:solidFill>
+                  <a:srgbClr val="795E26"/>
+                </a:solidFill>
+                <a:latin typeface="Menlo" panose="020B0609030804020204" pitchFamily="49" charset="0"/>
+              </a:rPr>
+              <a:t>    </a:t>
+            </a:r>
+            <a:r>
+              <a:rPr lang="en" altLang="zh-CN" dirty="0" err="1">
+                <a:solidFill>
+                  <a:srgbClr val="795E26"/>
+                </a:solidFill>
+                <a:latin typeface="Menlo" panose="020B0609030804020204" pitchFamily="49" charset="0"/>
+              </a:rPr>
+              <a:t>MyMap</a:t>
+            </a:r>
+            <a:r>
+              <a:rPr lang="en" altLang="zh-CN" dirty="0">
+                <a:solidFill>
+                  <a:srgbClr val="000000"/>
+                </a:solidFill>
+                <a:latin typeface="Menlo" panose="020B0609030804020204" pitchFamily="49" charset="0"/>
+              </a:rPr>
+              <a:t>(</a:t>
+            </a:r>
+            <a:r>
+              <a:rPr lang="en" altLang="zh-CN" dirty="0">
+                <a:solidFill>
+                  <a:srgbClr val="0000FF"/>
+                </a:solidFill>
+                <a:latin typeface="Menlo" panose="020B0609030804020204" pitchFamily="49" charset="0"/>
+              </a:rPr>
+              <a:t>const</a:t>
+            </a:r>
+            <a:r>
+              <a:rPr lang="en" altLang="zh-CN" dirty="0">
+                <a:solidFill>
+                  <a:srgbClr val="000000"/>
+                </a:solidFill>
+                <a:latin typeface="Menlo" panose="020B0609030804020204" pitchFamily="49" charset="0"/>
+              </a:rPr>
+              <a:t> </a:t>
+            </a:r>
+            <a:r>
+              <a:rPr lang="en" altLang="zh-CN" dirty="0" err="1">
+                <a:solidFill>
+                  <a:srgbClr val="267F99"/>
+                </a:solidFill>
+                <a:latin typeface="Menlo" panose="020B0609030804020204" pitchFamily="49" charset="0"/>
+              </a:rPr>
+              <a:t>MyMap</a:t>
+            </a:r>
+            <a:r>
+              <a:rPr lang="en" altLang="zh-CN" dirty="0">
+                <a:solidFill>
+                  <a:srgbClr val="000000"/>
+                </a:solidFill>
+                <a:latin typeface="Menlo" panose="020B0609030804020204" pitchFamily="49" charset="0"/>
+              </a:rPr>
+              <a:t> </a:t>
+            </a:r>
+            <a:r>
+              <a:rPr lang="en" altLang="zh-CN" dirty="0">
+                <a:solidFill>
+                  <a:srgbClr val="0000FF"/>
+                </a:solidFill>
+                <a:latin typeface="Menlo" panose="020B0609030804020204" pitchFamily="49" charset="0"/>
+              </a:rPr>
+              <a:t>&amp;</a:t>
+            </a:r>
+            <a:r>
+              <a:rPr lang="en" altLang="zh-CN" dirty="0">
+                <a:solidFill>
+                  <a:srgbClr val="000000"/>
+                </a:solidFill>
+                <a:latin typeface="Menlo" panose="020B0609030804020204" pitchFamily="49" charset="0"/>
+              </a:rPr>
+              <a:t> </a:t>
+            </a:r>
+            <a:r>
+              <a:rPr lang="en" altLang="zh-CN" dirty="0">
+                <a:solidFill>
+                  <a:srgbClr val="001080"/>
+                </a:solidFill>
+                <a:latin typeface="Menlo" panose="020B0609030804020204" pitchFamily="49" charset="0"/>
+              </a:rPr>
+              <a:t>mm</a:t>
+            </a:r>
+            <a:r>
+              <a:rPr lang="en" altLang="zh-CN" dirty="0">
+                <a:solidFill>
+                  <a:srgbClr val="000000"/>
+                </a:solidFill>
+                <a:latin typeface="Menlo" panose="020B0609030804020204" pitchFamily="49" charset="0"/>
+              </a:rPr>
+              <a:t>): </a:t>
+            </a:r>
+            <a:r>
+              <a:rPr lang="en" altLang="zh-CN" dirty="0" err="1">
+                <a:solidFill>
+                  <a:srgbClr val="795E26"/>
+                </a:solidFill>
+                <a:latin typeface="Menlo" panose="020B0609030804020204" pitchFamily="49" charset="0"/>
+              </a:rPr>
+              <a:t>MyString</a:t>
+            </a:r>
+            <a:r>
+              <a:rPr lang="en" altLang="zh-CN" dirty="0">
+                <a:solidFill>
+                  <a:srgbClr val="000000"/>
+                </a:solidFill>
+                <a:latin typeface="Menlo" panose="020B0609030804020204" pitchFamily="49" charset="0"/>
+              </a:rPr>
+              <a:t>(</a:t>
+            </a:r>
+            <a:r>
+              <a:rPr lang="en" altLang="zh-CN" dirty="0" err="1">
+                <a:solidFill>
+                  <a:srgbClr val="001080"/>
+                </a:solidFill>
+                <a:latin typeface="Menlo" panose="020B0609030804020204" pitchFamily="49" charset="0"/>
+              </a:rPr>
+              <a:t>mm</a:t>
+            </a:r>
+            <a:r>
+              <a:rPr lang="en" altLang="zh-CN" dirty="0" err="1">
+                <a:solidFill>
+                  <a:srgbClr val="000000"/>
+                </a:solidFill>
+                <a:latin typeface="Menlo" panose="020B0609030804020204" pitchFamily="49" charset="0"/>
+              </a:rPr>
+              <a:t>.</a:t>
+            </a:r>
+            <a:r>
+              <a:rPr lang="en" altLang="zh-CN" dirty="0" err="1">
+                <a:solidFill>
+                  <a:srgbClr val="001080"/>
+                </a:solidFill>
+                <a:latin typeface="Menlo" panose="020B0609030804020204" pitchFamily="49" charset="0"/>
+              </a:rPr>
+              <a:t>buf_len</a:t>
+            </a:r>
+            <a:r>
+              <a:rPr lang="en" altLang="zh-CN" dirty="0">
+                <a:solidFill>
+                  <a:srgbClr val="000000"/>
+                </a:solidFill>
+                <a:latin typeface="Menlo" panose="020B0609030804020204" pitchFamily="49" charset="0"/>
+              </a:rPr>
+              <a:t>, </a:t>
+            </a:r>
+            <a:r>
+              <a:rPr lang="en" altLang="zh-CN" dirty="0" err="1">
+                <a:solidFill>
+                  <a:srgbClr val="001080"/>
+                </a:solidFill>
+                <a:latin typeface="Menlo" panose="020B0609030804020204" pitchFamily="49" charset="0"/>
+              </a:rPr>
+              <a:t>mm</a:t>
+            </a:r>
+            <a:r>
+              <a:rPr lang="en" altLang="zh-CN" dirty="0" err="1">
+                <a:solidFill>
+                  <a:srgbClr val="000000"/>
+                </a:solidFill>
+                <a:latin typeface="Menlo" panose="020B0609030804020204" pitchFamily="49" charset="0"/>
+              </a:rPr>
+              <a:t>.</a:t>
+            </a:r>
+            <a:r>
+              <a:rPr lang="en" altLang="zh-CN" dirty="0" err="1">
+                <a:solidFill>
+                  <a:srgbClr val="001080"/>
+                </a:solidFill>
+                <a:latin typeface="Menlo" panose="020B0609030804020204" pitchFamily="49" charset="0"/>
+              </a:rPr>
+              <a:t>characters</a:t>
+            </a:r>
+            <a:r>
+              <a:rPr lang="en" altLang="zh-CN" dirty="0">
+                <a:solidFill>
+                  <a:srgbClr val="000000"/>
+                </a:solidFill>
+                <a:latin typeface="Menlo" panose="020B0609030804020204" pitchFamily="49" charset="0"/>
+              </a:rPr>
+              <a:t>)</a:t>
+            </a:r>
+          </a:p>
+          <a:p>
+            <a:r>
+              <a:rPr lang="en" altLang="zh-CN" dirty="0">
+                <a:solidFill>
+                  <a:srgbClr val="000000"/>
+                </a:solidFill>
+                <a:latin typeface="Menlo" panose="020B0609030804020204" pitchFamily="49" charset="0"/>
+              </a:rPr>
+              <a:t>    {</a:t>
+            </a:r>
+          </a:p>
+          <a:p>
+            <a:r>
+              <a:rPr lang="en" altLang="zh-CN" dirty="0">
+                <a:solidFill>
+                  <a:srgbClr val="008000"/>
+                </a:solidFill>
+                <a:latin typeface="Menlo" panose="020B0609030804020204" pitchFamily="49" charset="0"/>
+              </a:rPr>
+              <a:t>    //allocate memory for </a:t>
+            </a:r>
+            <a:r>
+              <a:rPr lang="en" altLang="zh-CN" dirty="0" err="1">
+                <a:solidFill>
+                  <a:srgbClr val="008000"/>
+                </a:solidFill>
+                <a:latin typeface="Menlo" panose="020B0609030804020204" pitchFamily="49" charset="0"/>
+              </a:rPr>
+              <a:t>keyname</a:t>
+            </a:r>
+            <a:endParaRPr lang="en" altLang="zh-CN" dirty="0">
+              <a:solidFill>
+                <a:srgbClr val="000000"/>
+              </a:solidFill>
+              <a:latin typeface="Menlo" panose="020B0609030804020204" pitchFamily="49" charset="0"/>
+            </a:endParaRPr>
+          </a:p>
+          <a:p>
+            <a:r>
+              <a:rPr lang="en" altLang="zh-CN" dirty="0">
+                <a:solidFill>
+                  <a:srgbClr val="008000"/>
+                </a:solidFill>
+                <a:latin typeface="Menlo" panose="020B0609030804020204" pitchFamily="49" charset="0"/>
+              </a:rPr>
+              <a:t>    //and hard copy from mm to *this</a:t>
+            </a:r>
+            <a:endParaRPr lang="en" altLang="zh-CN" dirty="0">
+              <a:solidFill>
+                <a:srgbClr val="000000"/>
+              </a:solidFill>
+              <a:latin typeface="Menlo" panose="020B0609030804020204" pitchFamily="49" charset="0"/>
+            </a:endParaRPr>
+          </a:p>
+          <a:p>
+            <a:r>
+              <a:rPr lang="en" altLang="zh-CN" dirty="0">
+                <a:solidFill>
+                  <a:srgbClr val="000000"/>
+                </a:solidFill>
+                <a:latin typeface="Menlo" panose="020B0609030804020204" pitchFamily="49" charset="0"/>
+              </a:rPr>
+              <a:t>    }</a:t>
+            </a:r>
+          </a:p>
+          <a:p>
+            <a:r>
+              <a:rPr lang="en" altLang="zh-CN" dirty="0">
+                <a:solidFill>
+                  <a:srgbClr val="267F99"/>
+                </a:solidFill>
+                <a:latin typeface="Menlo" panose="020B0609030804020204" pitchFamily="49" charset="0"/>
+              </a:rPr>
+              <a:t>    </a:t>
+            </a:r>
+            <a:r>
+              <a:rPr lang="en" altLang="zh-CN" dirty="0" err="1">
+                <a:solidFill>
+                  <a:srgbClr val="267F99"/>
+                </a:solidFill>
+                <a:latin typeface="Menlo" panose="020B0609030804020204" pitchFamily="49" charset="0"/>
+              </a:rPr>
+              <a:t>MyMap</a:t>
+            </a:r>
+            <a:r>
+              <a:rPr lang="en" altLang="zh-CN" dirty="0">
+                <a:solidFill>
+                  <a:srgbClr val="000000"/>
+                </a:solidFill>
+                <a:latin typeface="Menlo" panose="020B0609030804020204" pitchFamily="49" charset="0"/>
+              </a:rPr>
+              <a:t> </a:t>
+            </a:r>
+            <a:r>
+              <a:rPr lang="en" altLang="zh-CN" dirty="0">
+                <a:solidFill>
+                  <a:srgbClr val="0000FF"/>
+                </a:solidFill>
+                <a:latin typeface="Menlo" panose="020B0609030804020204" pitchFamily="49" charset="0"/>
+              </a:rPr>
+              <a:t>&amp;</a:t>
+            </a:r>
+            <a:r>
+              <a:rPr lang="en" altLang="zh-CN" dirty="0">
+                <a:solidFill>
+                  <a:srgbClr val="000000"/>
+                </a:solidFill>
+                <a:latin typeface="Menlo" panose="020B0609030804020204" pitchFamily="49" charset="0"/>
+              </a:rPr>
+              <a:t> </a:t>
+            </a:r>
+            <a:r>
+              <a:rPr lang="en" altLang="zh-CN" dirty="0">
+                <a:solidFill>
+                  <a:srgbClr val="AF00DB"/>
+                </a:solidFill>
+                <a:latin typeface="Menlo" panose="020B0609030804020204" pitchFamily="49" charset="0"/>
+              </a:rPr>
+              <a:t>operator=</a:t>
+            </a:r>
+            <a:r>
+              <a:rPr lang="en" altLang="zh-CN" dirty="0">
+                <a:solidFill>
+                  <a:srgbClr val="000000"/>
+                </a:solidFill>
+                <a:latin typeface="Menlo" panose="020B0609030804020204" pitchFamily="49" charset="0"/>
+              </a:rPr>
+              <a:t>(</a:t>
+            </a:r>
+            <a:r>
+              <a:rPr lang="en" altLang="zh-CN" dirty="0">
+                <a:solidFill>
+                  <a:srgbClr val="0000FF"/>
+                </a:solidFill>
+                <a:latin typeface="Menlo" panose="020B0609030804020204" pitchFamily="49" charset="0"/>
+              </a:rPr>
+              <a:t>const</a:t>
+            </a:r>
+            <a:r>
+              <a:rPr lang="en" altLang="zh-CN" dirty="0">
+                <a:solidFill>
+                  <a:srgbClr val="000000"/>
+                </a:solidFill>
+                <a:latin typeface="Menlo" panose="020B0609030804020204" pitchFamily="49" charset="0"/>
+              </a:rPr>
+              <a:t> </a:t>
+            </a:r>
+            <a:r>
+              <a:rPr lang="en" altLang="zh-CN" dirty="0" err="1">
+                <a:solidFill>
+                  <a:srgbClr val="267F99"/>
+                </a:solidFill>
+                <a:latin typeface="Menlo" panose="020B0609030804020204" pitchFamily="49" charset="0"/>
+              </a:rPr>
+              <a:t>MyMap</a:t>
+            </a:r>
+            <a:r>
+              <a:rPr lang="en" altLang="zh-CN" dirty="0">
+                <a:solidFill>
+                  <a:srgbClr val="000000"/>
+                </a:solidFill>
+                <a:latin typeface="Menlo" panose="020B0609030804020204" pitchFamily="49" charset="0"/>
+              </a:rPr>
+              <a:t> </a:t>
+            </a:r>
+            <a:r>
+              <a:rPr lang="en" altLang="zh-CN" dirty="0">
+                <a:solidFill>
+                  <a:srgbClr val="0000FF"/>
+                </a:solidFill>
+                <a:latin typeface="Menlo" panose="020B0609030804020204" pitchFamily="49" charset="0"/>
+              </a:rPr>
+              <a:t>&amp;</a:t>
+            </a:r>
+            <a:r>
+              <a:rPr lang="en" altLang="zh-CN" dirty="0">
+                <a:solidFill>
+                  <a:srgbClr val="001080"/>
+                </a:solidFill>
+                <a:latin typeface="Menlo" panose="020B0609030804020204" pitchFamily="49" charset="0"/>
+              </a:rPr>
+              <a:t>mm</a:t>
+            </a:r>
+            <a:r>
+              <a:rPr lang="en" altLang="zh-CN" dirty="0">
+                <a:solidFill>
+                  <a:srgbClr val="000000"/>
+                </a:solidFill>
+                <a:latin typeface="Menlo" panose="020B0609030804020204" pitchFamily="49" charset="0"/>
+              </a:rPr>
+              <a:t>)</a:t>
+            </a:r>
+          </a:p>
+          <a:p>
+            <a:r>
+              <a:rPr lang="en" altLang="zh-CN" dirty="0">
+                <a:solidFill>
+                  <a:srgbClr val="000000"/>
+                </a:solidFill>
+                <a:latin typeface="Menlo" panose="020B0609030804020204" pitchFamily="49" charset="0"/>
+              </a:rPr>
+              <a:t>    {</a:t>
+            </a:r>
+          </a:p>
+          <a:p>
+            <a:r>
+              <a:rPr lang="en" altLang="zh-CN" dirty="0">
+                <a:solidFill>
+                  <a:srgbClr val="267F99"/>
+                </a:solidFill>
+                <a:latin typeface="Menlo" panose="020B0609030804020204" pitchFamily="49" charset="0"/>
+              </a:rPr>
+              <a:t>       </a:t>
+            </a:r>
+            <a:r>
+              <a:rPr lang="en" altLang="zh-CN" dirty="0" err="1">
+                <a:solidFill>
+                  <a:srgbClr val="267F99"/>
+                </a:solidFill>
+                <a:latin typeface="Menlo" panose="020B0609030804020204" pitchFamily="49" charset="0"/>
+              </a:rPr>
+              <a:t>MyMap</a:t>
+            </a:r>
+            <a:r>
+              <a:rPr lang="en" altLang="zh-CN" dirty="0">
+                <a:solidFill>
+                  <a:srgbClr val="000000"/>
+                </a:solidFill>
+                <a:latin typeface="Menlo" panose="020B0609030804020204" pitchFamily="49" charset="0"/>
+              </a:rPr>
+              <a:t>::operator=(mm);</a:t>
+            </a:r>
+          </a:p>
+          <a:p>
+            <a:r>
+              <a:rPr lang="en" altLang="zh-CN" dirty="0">
+                <a:solidFill>
+                  <a:srgbClr val="008000"/>
+                </a:solidFill>
+                <a:latin typeface="Menlo" panose="020B0609030804020204" pitchFamily="49" charset="0"/>
+              </a:rPr>
+              <a:t>       //allocate memory for </a:t>
+            </a:r>
+            <a:r>
+              <a:rPr lang="en" altLang="zh-CN" dirty="0" err="1">
+                <a:solidFill>
+                  <a:srgbClr val="008000"/>
+                </a:solidFill>
+                <a:latin typeface="Menlo" panose="020B0609030804020204" pitchFamily="49" charset="0"/>
+              </a:rPr>
+              <a:t>keyname</a:t>
+            </a:r>
+            <a:endParaRPr lang="en" altLang="zh-CN" dirty="0">
+              <a:solidFill>
+                <a:srgbClr val="000000"/>
+              </a:solidFill>
+              <a:latin typeface="Menlo" panose="020B0609030804020204" pitchFamily="49" charset="0"/>
+            </a:endParaRPr>
+          </a:p>
+          <a:p>
+            <a:r>
+              <a:rPr lang="en" altLang="zh-CN" dirty="0">
+                <a:solidFill>
+                  <a:srgbClr val="008000"/>
+                </a:solidFill>
+                <a:latin typeface="Menlo" panose="020B0609030804020204" pitchFamily="49" charset="0"/>
+              </a:rPr>
+              <a:t>       //and hard copy from mm to *this</a:t>
+            </a:r>
+            <a:endParaRPr lang="en" altLang="zh-CN" dirty="0">
+              <a:solidFill>
+                <a:srgbClr val="000000"/>
+              </a:solidFill>
+              <a:latin typeface="Menlo" panose="020B0609030804020204" pitchFamily="49" charset="0"/>
+            </a:endParaRPr>
+          </a:p>
+          <a:p>
+            <a:r>
+              <a:rPr lang="en" altLang="zh-CN" dirty="0">
+                <a:solidFill>
+                  <a:srgbClr val="AF00DB"/>
+                </a:solidFill>
+                <a:latin typeface="Menlo" panose="020B0609030804020204" pitchFamily="49" charset="0"/>
+              </a:rPr>
+              <a:t>       return</a:t>
+            </a:r>
+            <a:r>
+              <a:rPr lang="en" altLang="zh-CN" dirty="0">
+                <a:solidFill>
+                  <a:srgbClr val="000000"/>
+                </a:solidFill>
+                <a:latin typeface="Menlo" panose="020B0609030804020204" pitchFamily="49" charset="0"/>
+              </a:rPr>
+              <a:t> *</a:t>
+            </a:r>
+            <a:r>
+              <a:rPr lang="en" altLang="zh-CN" dirty="0">
+                <a:solidFill>
+                  <a:srgbClr val="0000FF"/>
+                </a:solidFill>
+                <a:latin typeface="Menlo" panose="020B0609030804020204" pitchFamily="49" charset="0"/>
+              </a:rPr>
+              <a:t>this</a:t>
+            </a:r>
+            <a:r>
+              <a:rPr lang="en" altLang="zh-CN" dirty="0">
+                <a:solidFill>
+                  <a:srgbClr val="000000"/>
+                </a:solidFill>
+                <a:latin typeface="Menlo" panose="020B0609030804020204" pitchFamily="49" charset="0"/>
+              </a:rPr>
+              <a:t>;</a:t>
+            </a:r>
+          </a:p>
+          <a:p>
+            <a:r>
+              <a:rPr lang="en" altLang="zh-CN" dirty="0">
+                <a:solidFill>
+                  <a:srgbClr val="000000"/>
+                </a:solidFill>
+                <a:latin typeface="Menlo" panose="020B0609030804020204" pitchFamily="49" charset="0"/>
+              </a:rPr>
+              <a:t>    }</a:t>
+            </a:r>
+          </a:p>
+          <a:p>
+            <a:r>
+              <a:rPr lang="en" altLang="zh-CN" dirty="0">
+                <a:solidFill>
+                  <a:srgbClr val="000000"/>
+                </a:solidFill>
+                <a:latin typeface="Menlo" panose="020B0609030804020204" pitchFamily="49" charset="0"/>
+              </a:rPr>
+              <a:t>};</a:t>
+            </a:r>
+          </a:p>
+        </p:txBody>
+      </p:sp>
+    </p:spTree>
+    <p:extLst>
+      <p:ext uri="{BB962C8B-B14F-4D97-AF65-F5344CB8AC3E}">
+        <p14:creationId xmlns:p14="http://schemas.microsoft.com/office/powerpoint/2010/main" val="3636006177"/>
+      </p:ext>
+    </p:extLst>
+  </p:cSld>
+  <p:clrMapOvr>
+    <a:masterClrMapping/>
+  </p:clrMapOvr>
+</p:sld>
+</file>
+
+<file path=ppt/slides/slide21.xml><?xml version="1.0" encoding="utf-8"?>
+<p:sld xmlns:a="http://schemas.openxmlformats.org/drawingml/2006/main" xmlns:r="http://schemas.openxmlformats.org/officeDocument/2006/relationships" xmlns:p="http://schemas.openxmlformats.org/presentationml/2006/main">
+  <p:cSld>
+    <p:spTree>
+      <p:nvGrpSpPr>
+        <p:cNvPr id="1" name=""/>
+        <p:cNvGrpSpPr/>
+        <p:nvPr/>
+      </p:nvGrpSpPr>
+      <p:grpSpPr>
+        <a:xfrm>
+          <a:off x="0" y="0"/>
+          <a:ext cx="0" cy="0"/>
+          <a:chOff x="0" y="0"/>
+          <a:chExt cx="0" cy="0"/>
+        </a:xfrm>
+      </p:grpSpPr>
+      <p:sp>
+        <p:nvSpPr>
           <p:cNvPr id="4" name="标题 3">
             <a:extLst>
               <a:ext uri="{FF2B5EF4-FFF2-40B4-BE49-F238E27FC236}">
@@ -8613,7 +8985,7 @@
 </p:sld>
 </file>
 
-<file path=ppt/slides/slide21.xml><?xml version="1.0" encoding="utf-8"?>
+<file path=ppt/slides/slide22.xml><?xml version="1.0" encoding="utf-8"?>
 <p:sld xmlns:a="http://schemas.openxmlformats.org/drawingml/2006/main" xmlns:r="http://schemas.openxmlformats.org/officeDocument/2006/relationships" xmlns:p="http://schemas.openxmlformats.org/presentationml/2006/main">
   <p:cSld>
     <p:spTree>
@@ -8770,7 +9142,7 @@
 </p:sld>
 </file>
 
-<file path=ppt/slides/slide22.xml><?xml version="1.0" encoding="utf-8"?>
+<file path=ppt/slides/slide23.xml><?xml version="1.0" encoding="utf-8"?>
 <p:sld xmlns:a="http://schemas.openxmlformats.org/drawingml/2006/main" xmlns:r="http://schemas.openxmlformats.org/officeDocument/2006/relationships" xmlns:p="http://schemas.openxmlformats.org/presentationml/2006/main">
   <p:cSld>
     <p:spTree>
@@ -8933,7 +9305,7 @@
 </p:sld>
 </file>
 
-<file path=ppt/slides/slide23.xml><?xml version="1.0" encoding="utf-8"?>
+<file path=ppt/slides/slide24.xml><?xml version="1.0" encoding="utf-8"?>
 <p:sld xmlns:a="http://schemas.openxmlformats.org/drawingml/2006/main" xmlns:r="http://schemas.openxmlformats.org/officeDocument/2006/relationships" xmlns:p="http://schemas.openxmlformats.org/presentationml/2006/main">
   <p:cSld>
     <p:spTree>
@@ -9220,7 +9592,7 @@
 </p:sld>
 </file>
 
-<file path=ppt/slides/slide24.xml><?xml version="1.0" encoding="utf-8"?>
+<file path=ppt/slides/slide25.xml><?xml version="1.0" encoding="utf-8"?>
 <p:sld xmlns:a="http://schemas.openxmlformats.org/drawingml/2006/main" xmlns:r="http://schemas.openxmlformats.org/officeDocument/2006/relationships" xmlns:p="http://schemas.openxmlformats.org/presentationml/2006/main">
   <p:cSld>
     <p:spTree>
@@ -10000,7 +10372,7 @@
 </p:sld>
 </file>
 
-<file path=ppt/slides/slide25.xml><?xml version="1.0" encoding="utf-8"?>
+<file path=ppt/slides/slide26.xml><?xml version="1.0" encoding="utf-8"?>
 <p:sld xmlns:a="http://schemas.openxmlformats.org/drawingml/2006/main" xmlns:r="http://schemas.openxmlformats.org/officeDocument/2006/relationships" xmlns:p="http://schemas.openxmlformats.org/presentationml/2006/main">
   <p:cSld>
     <p:spTree>
@@ -10624,6 +10996,59 @@
           </a:p>
         </p:txBody>
       </p:sp>
+      <p:sp>
+        <p:nvSpPr>
+          <p:cNvPr id="4" name="矩形 3">
+            <a:extLst>
+              <a:ext uri="{FF2B5EF4-FFF2-40B4-BE49-F238E27FC236}">
+                <a16:creationId xmlns:a16="http://schemas.microsoft.com/office/drawing/2014/main" id="{3B7866EA-6D1D-A84A-AD74-C87420A6AAD4}"/>
+              </a:ext>
+            </a:extLst>
+          </p:cNvPr>
+          <p:cNvSpPr/>
+          <p:nvPr/>
+        </p:nvSpPr>
+        <p:spPr>
+          <a:xfrm>
+            <a:off x="1809127" y="6488668"/>
+            <a:ext cx="1160895" cy="369332"/>
+          </a:xfrm>
+          <a:prstGeom prst="rect">
+            <a:avLst/>
+          </a:prstGeom>
+          <a:solidFill>
+            <a:schemeClr val="bg1"/>
+          </a:solidFill>
+        </p:spPr>
+        <p:txBody>
+          <a:bodyPr wrap="none">
+            <a:spAutoFit/>
+          </a:bodyPr>
+          <a:lstStyle/>
+          <a:p>
+            <a:r>
+              <a:rPr lang="en" altLang="zh-CN" dirty="0">
+                <a:solidFill>
+                  <a:srgbClr val="0000CC"/>
+                </a:solidFill>
+                <a:highlight>
+                  <a:srgbClr val="FFFF00"/>
+                </a:highlight>
+                <a:latin typeface="Menlo" panose="020B0609030804020204" pitchFamily="49" charset="0"/>
+              </a:rPr>
+              <a:t>matrix/</a:t>
+            </a:r>
+            <a:endParaRPr lang="zh-CN" altLang="en-US" dirty="0">
+              <a:solidFill>
+                <a:srgbClr val="0000CC"/>
+              </a:solidFill>
+              <a:highlight>
+                <a:srgbClr val="FFFF00"/>
+              </a:highlight>
+            </a:endParaRPr>
+          </a:p>
+        </p:txBody>
+      </p:sp>
     </p:spTree>
     <p:extLst>
       <p:ext uri="{BB962C8B-B14F-4D97-AF65-F5344CB8AC3E}">
@@ -10634,6 +11059,84 @@
   <p:clrMapOvr>
     <a:masterClrMapping/>
   </p:clrMapOvr>
+  <p:timing>
+    <p:tnLst>
+      <p:par>
+        <p:cTn id="1" dur="indefinite" restart="never" nodeType="tmRoot">
+          <p:childTnLst>
+            <p:seq concurrent="1" nextAc="seek">
+              <p:cTn id="2" dur="indefinite" nodeType="mainSeq">
+                <p:childTnLst>
+                  <p:par>
+                    <p:cTn id="3" fill="hold">
+                      <p:stCondLst>
+                        <p:cond delay="indefinite"/>
+                      </p:stCondLst>
+                      <p:childTnLst>
+                        <p:par>
+                          <p:cTn id="4" fill="hold">
+                            <p:stCondLst>
+                              <p:cond delay="0"/>
+                            </p:stCondLst>
+                            <p:childTnLst>
+                              <p:par>
+                                <p:cTn id="5" presetID="1" presetClass="entr" presetSubtype="0" fill="hold" grpId="0" nodeType="clickEffect">
+                                  <p:stCondLst>
+                                    <p:cond delay="0"/>
+                                  </p:stCondLst>
+                                  <p:childTnLst>
+                                    <p:set>
+                                      <p:cBhvr>
+                                        <p:cTn id="6" dur="1" fill="hold">
+                                          <p:stCondLst>
+                                            <p:cond delay="0"/>
+                                          </p:stCondLst>
+                                        </p:cTn>
+                                        <p:tgtEl>
+                                          <p:spTgt spid="4"/>
+                                        </p:tgtEl>
+                                        <p:attrNameLst>
+                                          <p:attrName>style.visibility</p:attrName>
+                                        </p:attrNameLst>
+                                      </p:cBhvr>
+                                      <p:to>
+                                        <p:strVal val="visible"/>
+                                      </p:to>
+                                    </p:set>
+                                  </p:childTnLst>
+                                </p:cTn>
+                              </p:par>
+                            </p:childTnLst>
+                          </p:cTn>
+                        </p:par>
+                      </p:childTnLst>
+                    </p:cTn>
+                  </p:par>
+                </p:childTnLst>
+              </p:cTn>
+              <p:prevCondLst>
+                <p:cond evt="onPrev" delay="0">
+                  <p:tgtEl>
+                    <p:sldTgt/>
+                  </p:tgtEl>
+                </p:cond>
+              </p:prevCondLst>
+              <p:nextCondLst>
+                <p:cond evt="onNext" delay="0">
+                  <p:tgtEl>
+                    <p:sldTgt/>
+                  </p:tgtEl>
+                </p:cond>
+              </p:nextCondLst>
+            </p:seq>
+          </p:childTnLst>
+        </p:cTn>
+      </p:par>
+    </p:tnLst>
+    <p:bldLst>
+      <p:bldP spid="4" grpId="0" animBg="1"/>
+    </p:bldLst>
+  </p:timing>
 </p:sld>
 </file>
 

--- a/week12/Lecture12.pptx
+++ b/week12/Lecture12.pptx
@@ -222,7 +222,7 @@
           <a:p>
             <a:fld id="{634F3F22-B4BB-3F48-9180-464A9F2D66D1}" type="datetimeFigureOut">
               <a:rPr kumimoji="1" lang="zh-CN" altLang="en-US" smtClean="0"/>
-              <a:t>2021/11/29</a:t>
+              <a:t>2021/11/30</a:t>
             </a:fld>
             <a:endParaRPr kumimoji="1" lang="zh-CN" altLang="en-US"/>
           </a:p>
@@ -573,6 +573,90 @@
 </p:notes>
 </file>
 
+<file path=ppt/notesSlides/notesSlide2.xml><?xml version="1.0" encoding="utf-8"?>
+<p:notes xmlns:a="http://schemas.openxmlformats.org/drawingml/2006/main" xmlns:r="http://schemas.openxmlformats.org/officeDocument/2006/relationships" xmlns:p="http://schemas.openxmlformats.org/presentationml/2006/main">
+  <p:cSld>
+    <p:spTree>
+      <p:nvGrpSpPr>
+        <p:cNvPr id="1" name=""/>
+        <p:cNvGrpSpPr/>
+        <p:nvPr/>
+      </p:nvGrpSpPr>
+      <p:grpSpPr>
+        <a:xfrm>
+          <a:off x="0" y="0"/>
+          <a:ext cx="0" cy="0"/>
+          <a:chOff x="0" y="0"/>
+          <a:chExt cx="0" cy="0"/>
+        </a:xfrm>
+      </p:grpSpPr>
+      <p:sp>
+        <p:nvSpPr>
+          <p:cNvPr id="2" name="幻灯片图像占位符 1"/>
+          <p:cNvSpPr>
+            <a:spLocks noGrp="1" noRot="1" noChangeAspect="1"/>
+          </p:cNvSpPr>
+          <p:nvPr>
+            <p:ph type="sldImg"/>
+          </p:nvPr>
+        </p:nvSpPr>
+        <p:spPr/>
+      </p:sp>
+      <p:sp>
+        <p:nvSpPr>
+          <p:cNvPr id="3" name="备注占位符 2"/>
+          <p:cNvSpPr>
+            <a:spLocks noGrp="1"/>
+          </p:cNvSpPr>
+          <p:nvPr>
+            <p:ph type="body" idx="1"/>
+          </p:nvPr>
+        </p:nvSpPr>
+        <p:spPr/>
+        <p:txBody>
+          <a:bodyPr/>
+          <a:lstStyle/>
+          <a:p>
+            <a:endParaRPr kumimoji="1" lang="zh-CN" altLang="en-US" dirty="0"/>
+          </a:p>
+        </p:txBody>
+      </p:sp>
+      <p:sp>
+        <p:nvSpPr>
+          <p:cNvPr id="4" name="灯片编号占位符 3"/>
+          <p:cNvSpPr>
+            <a:spLocks noGrp="1"/>
+          </p:cNvSpPr>
+          <p:nvPr>
+            <p:ph type="sldNum" sz="quarter" idx="5"/>
+          </p:nvPr>
+        </p:nvSpPr>
+        <p:spPr/>
+        <p:txBody>
+          <a:bodyPr/>
+          <a:lstStyle/>
+          <a:p>
+            <a:fld id="{F39692CB-2397-CF44-9044-134362C69983}" type="slidenum">
+              <a:rPr kumimoji="1" lang="zh-CN" altLang="en-US" smtClean="0"/>
+              <a:t>14</a:t>
+            </a:fld>
+            <a:endParaRPr kumimoji="1" lang="zh-CN" altLang="en-US"/>
+          </a:p>
+        </p:txBody>
+      </p:sp>
+    </p:spTree>
+    <p:extLst>
+      <p:ext uri="{BB962C8B-B14F-4D97-AF65-F5344CB8AC3E}">
+        <p14:creationId xmlns:p14="http://schemas.microsoft.com/office/powerpoint/2010/main" val="841930457"/>
+      </p:ext>
+    </p:extLst>
+  </p:cSld>
+  <p:clrMapOvr>
+    <a:masterClrMapping/>
+  </p:clrMapOvr>
+</p:notes>
+</file>
+
 <file path=ppt/slideLayouts/slideLayout1.xml><?xml version="1.0" encoding="utf-8"?>
 <p:sldLayout xmlns:a="http://schemas.openxmlformats.org/drawingml/2006/main" xmlns:r="http://schemas.openxmlformats.org/officeDocument/2006/relationships" xmlns:p="http://schemas.openxmlformats.org/presentationml/2006/main" type="title" preserve="1">
   <p:cSld name="标题幻灯片">
@@ -702,7 +786,7 @@
           <a:p>
             <a:fld id="{FC19A4FA-3D9A-4114-B0D5-759CBD56F1AB}" type="datetimeFigureOut">
               <a:rPr lang="zh-CN" altLang="en-US" smtClean="0"/>
-              <a:t>2021/11/29</a:t>
+              <a:t>2021/11/30</a:t>
             </a:fld>
             <a:endParaRPr lang="zh-CN" altLang="en-US"/>
           </a:p>
@@ -905,7 +989,7 @@
           <a:p>
             <a:fld id="{FC19A4FA-3D9A-4114-B0D5-759CBD56F1AB}" type="datetimeFigureOut">
               <a:rPr lang="zh-CN" altLang="en-US" smtClean="0"/>
-              <a:t>2021/11/29</a:t>
+              <a:t>2021/11/30</a:t>
             </a:fld>
             <a:endParaRPr lang="zh-CN" altLang="en-US"/>
           </a:p>
@@ -1083,7 +1167,7 @@
           <a:p>
             <a:fld id="{FC19A4FA-3D9A-4114-B0D5-759CBD56F1AB}" type="datetimeFigureOut">
               <a:rPr lang="zh-CN" altLang="en-US" smtClean="0"/>
-              <a:t>2021/11/29</a:t>
+              <a:t>2021/11/30</a:t>
             </a:fld>
             <a:endParaRPr lang="zh-CN" altLang="en-US"/>
           </a:p>
@@ -1307,7 +1391,7 @@
           <a:p>
             <a:fld id="{FC19A4FA-3D9A-4114-B0D5-759CBD56F1AB}" type="datetimeFigureOut">
               <a:rPr lang="zh-CN" altLang="en-US" smtClean="0"/>
-              <a:t>2021/11/29</a:t>
+              <a:t>2021/11/30</a:t>
             </a:fld>
             <a:endParaRPr lang="zh-CN" altLang="en-US"/>
           </a:p>
@@ -1541,7 +1625,7 @@
           <a:p>
             <a:fld id="{FC19A4FA-3D9A-4114-B0D5-759CBD56F1AB}" type="datetimeFigureOut">
               <a:rPr lang="zh-CN" altLang="en-US" smtClean="0"/>
-              <a:t>2021/11/29</a:t>
+              <a:t>2021/11/30</a:t>
             </a:fld>
             <a:endParaRPr lang="zh-CN" altLang="en-US"/>
           </a:p>
@@ -1940,7 +2024,7 @@
           <a:p>
             <a:fld id="{FC19A4FA-3D9A-4114-B0D5-759CBD56F1AB}" type="datetimeFigureOut">
               <a:rPr lang="zh-CN" altLang="en-US" smtClean="0"/>
-              <a:t>2021/11/29</a:t>
+              <a:t>2021/11/30</a:t>
             </a:fld>
             <a:endParaRPr lang="zh-CN" altLang="en-US"/>
           </a:p>
@@ -2220,7 +2304,7 @@
           <a:p>
             <a:fld id="{FC19A4FA-3D9A-4114-B0D5-759CBD56F1AB}" type="datetimeFigureOut">
               <a:rPr lang="zh-CN" altLang="en-US" smtClean="0"/>
-              <a:t>2021/11/29</a:t>
+              <a:t>2021/11/30</a:t>
             </a:fld>
             <a:endParaRPr lang="zh-CN" altLang="en-US"/>
           </a:p>
@@ -2372,7 +2456,7 @@
           <a:p>
             <a:fld id="{FC19A4FA-3D9A-4114-B0D5-759CBD56F1AB}" type="datetimeFigureOut">
               <a:rPr lang="zh-CN" altLang="en-US" smtClean="0"/>
-              <a:t>2021/11/29</a:t>
+              <a:t>2021/11/30</a:t>
             </a:fld>
             <a:endParaRPr lang="zh-CN" altLang="en-US"/>
           </a:p>
@@ -2502,7 +2586,7 @@
           <a:p>
             <a:fld id="{FC19A4FA-3D9A-4114-B0D5-759CBD56F1AB}" type="datetimeFigureOut">
               <a:rPr lang="zh-CN" altLang="en-US" smtClean="0"/>
-              <a:t>2021/11/29</a:t>
+              <a:t>2021/11/30</a:t>
             </a:fld>
             <a:endParaRPr lang="zh-CN" altLang="en-US"/>
           </a:p>
@@ -2812,7 +2896,7 @@
           <a:p>
             <a:fld id="{FC19A4FA-3D9A-4114-B0D5-759CBD56F1AB}" type="datetimeFigureOut">
               <a:rPr lang="zh-CN" altLang="en-US" smtClean="0"/>
-              <a:t>2021/11/29</a:t>
+              <a:t>2021/11/30</a:t>
             </a:fld>
             <a:endParaRPr lang="zh-CN" altLang="en-US"/>
           </a:p>
@@ -3099,7 +3183,7 @@
           <a:p>
             <a:fld id="{FC19A4FA-3D9A-4114-B0D5-759CBD56F1AB}" type="datetimeFigureOut">
               <a:rPr lang="zh-CN" altLang="en-US" smtClean="0"/>
-              <a:t>2021/11/29</a:t>
+              <a:t>2021/11/30</a:t>
             </a:fld>
             <a:endParaRPr lang="zh-CN" altLang="en-US"/>
           </a:p>
@@ -3392,7 +3476,7 @@
           <a:p>
             <a:fld id="{FC19A4FA-3D9A-4114-B0D5-759CBD56F1AB}" type="datetimeFigureOut">
               <a:rPr lang="zh-CN" altLang="en-US" smtClean="0"/>
-              <a:t>2021/11/29</a:t>
+              <a:t>2021/11/30</a:t>
             </a:fld>
             <a:endParaRPr lang="zh-CN" altLang="en-US"/>
           </a:p>
@@ -7042,7 +7126,7 @@
                 </a:solidFill>
                 <a:latin typeface="Menlo" panose="020B0609030804020204" pitchFamily="49" charset="0"/>
               </a:rPr>
-              <a:t> // call Person::print() </a:t>
+              <a:t> // call Person::print()? </a:t>
             </a:r>
             <a:endParaRPr lang="en" altLang="zh-CN" dirty="0">
               <a:solidFill>
@@ -7865,7 +7949,21 @@
           <a:p>
             <a:r>
               <a:rPr kumimoji="1" lang="en-US" altLang="zh-CN" dirty="0"/>
-              <a:t>Case 2: if dynamic memory is allocated in the derived class, you should redefine a copy constructor and an assignment operator.</a:t>
+              <a:t>Case 2: if dynamic memory is allocated in the derived </a:t>
+            </a:r>
+            <a:br>
+              <a:rPr kumimoji="1" lang="en-US" altLang="zh-CN" dirty="0"/>
+            </a:br>
+            <a:r>
+              <a:rPr kumimoji="1" lang="en-US" altLang="zh-CN" dirty="0"/>
+              <a:t>class, you should redefine a copy constructor and </a:t>
+            </a:r>
+            <a:br>
+              <a:rPr kumimoji="1" lang="en-US" altLang="zh-CN" dirty="0"/>
+            </a:br>
+            <a:r>
+              <a:rPr kumimoji="1" lang="en-US" altLang="zh-CN" dirty="0"/>
+              <a:t>an assignment operator.</a:t>
             </a:r>
             <a:endParaRPr kumimoji="1" lang="zh-CN" altLang="en-US" dirty="0"/>
           </a:p>
@@ -8771,7 +8869,7 @@
                 </a:solidFill>
                 <a:latin typeface="Menlo" panose="020B0609030804020204" pitchFamily="49" charset="0"/>
               </a:rPr>
-              <a:t>MyMap</a:t>
+              <a:t>MyString</a:t>
             </a:r>
             <a:r>
               <a:rPr lang="en" altLang="zh-CN" dirty="0">

--- a/week12/Lecture12.pptx
+++ b/week12/Lecture12.pptx
@@ -222,7 +222,7 @@
           <a:p>
             <a:fld id="{634F3F22-B4BB-3F48-9180-464A9F2D66D1}" type="datetimeFigureOut">
               <a:rPr kumimoji="1" lang="zh-CN" altLang="en-US" smtClean="0"/>
-              <a:t>2021/11/30</a:t>
+              <a:t>2023/5/6</a:t>
             </a:fld>
             <a:endParaRPr kumimoji="1" lang="zh-CN" altLang="en-US"/>
           </a:p>
@@ -786,7 +786,7 @@
           <a:p>
             <a:fld id="{FC19A4FA-3D9A-4114-B0D5-759CBD56F1AB}" type="datetimeFigureOut">
               <a:rPr lang="zh-CN" altLang="en-US" smtClean="0"/>
-              <a:t>2021/11/30</a:t>
+              <a:t>2023/5/6</a:t>
             </a:fld>
             <a:endParaRPr lang="zh-CN" altLang="en-US"/>
           </a:p>
@@ -989,7 +989,7 @@
           <a:p>
             <a:fld id="{FC19A4FA-3D9A-4114-B0D5-759CBD56F1AB}" type="datetimeFigureOut">
               <a:rPr lang="zh-CN" altLang="en-US" smtClean="0"/>
-              <a:t>2021/11/30</a:t>
+              <a:t>2023/5/6</a:t>
             </a:fld>
             <a:endParaRPr lang="zh-CN" altLang="en-US"/>
           </a:p>
@@ -1167,7 +1167,7 @@
           <a:p>
             <a:fld id="{FC19A4FA-3D9A-4114-B0D5-759CBD56F1AB}" type="datetimeFigureOut">
               <a:rPr lang="zh-CN" altLang="en-US" smtClean="0"/>
-              <a:t>2021/11/30</a:t>
+              <a:t>2023/5/6</a:t>
             </a:fld>
             <a:endParaRPr lang="zh-CN" altLang="en-US"/>
           </a:p>
@@ -1391,7 +1391,7 @@
           <a:p>
             <a:fld id="{FC19A4FA-3D9A-4114-B0D5-759CBD56F1AB}" type="datetimeFigureOut">
               <a:rPr lang="zh-CN" altLang="en-US" smtClean="0"/>
-              <a:t>2021/11/30</a:t>
+              <a:t>2023/5/6</a:t>
             </a:fld>
             <a:endParaRPr lang="zh-CN" altLang="en-US"/>
           </a:p>
@@ -1625,7 +1625,7 @@
           <a:p>
             <a:fld id="{FC19A4FA-3D9A-4114-B0D5-759CBD56F1AB}" type="datetimeFigureOut">
               <a:rPr lang="zh-CN" altLang="en-US" smtClean="0"/>
-              <a:t>2021/11/30</a:t>
+              <a:t>2023/5/6</a:t>
             </a:fld>
             <a:endParaRPr lang="zh-CN" altLang="en-US"/>
           </a:p>
@@ -2024,7 +2024,7 @@
           <a:p>
             <a:fld id="{FC19A4FA-3D9A-4114-B0D5-759CBD56F1AB}" type="datetimeFigureOut">
               <a:rPr lang="zh-CN" altLang="en-US" smtClean="0"/>
-              <a:t>2021/11/30</a:t>
+              <a:t>2023/5/6</a:t>
             </a:fld>
             <a:endParaRPr lang="zh-CN" altLang="en-US"/>
           </a:p>
@@ -2304,7 +2304,7 @@
           <a:p>
             <a:fld id="{FC19A4FA-3D9A-4114-B0D5-759CBD56F1AB}" type="datetimeFigureOut">
               <a:rPr lang="zh-CN" altLang="en-US" smtClean="0"/>
-              <a:t>2021/11/30</a:t>
+              <a:t>2023/5/6</a:t>
             </a:fld>
             <a:endParaRPr lang="zh-CN" altLang="en-US"/>
           </a:p>
@@ -2456,7 +2456,7 @@
           <a:p>
             <a:fld id="{FC19A4FA-3D9A-4114-B0D5-759CBD56F1AB}" type="datetimeFigureOut">
               <a:rPr lang="zh-CN" altLang="en-US" smtClean="0"/>
-              <a:t>2021/11/30</a:t>
+              <a:t>2023/5/6</a:t>
             </a:fld>
             <a:endParaRPr lang="zh-CN" altLang="en-US"/>
           </a:p>
@@ -2586,7 +2586,7 @@
           <a:p>
             <a:fld id="{FC19A4FA-3D9A-4114-B0D5-759CBD56F1AB}" type="datetimeFigureOut">
               <a:rPr lang="zh-CN" altLang="en-US" smtClean="0"/>
-              <a:t>2021/11/30</a:t>
+              <a:t>2023/5/6</a:t>
             </a:fld>
             <a:endParaRPr lang="zh-CN" altLang="en-US"/>
           </a:p>
@@ -2896,7 +2896,7 @@
           <a:p>
             <a:fld id="{FC19A4FA-3D9A-4114-B0D5-759CBD56F1AB}" type="datetimeFigureOut">
               <a:rPr lang="zh-CN" altLang="en-US" smtClean="0"/>
-              <a:t>2021/11/30</a:t>
+              <a:t>2023/5/6</a:t>
             </a:fld>
             <a:endParaRPr lang="zh-CN" altLang="en-US"/>
           </a:p>
@@ -3183,7 +3183,7 @@
           <a:p>
             <a:fld id="{FC19A4FA-3D9A-4114-B0D5-759CBD56F1AB}" type="datetimeFigureOut">
               <a:rPr lang="zh-CN" altLang="en-US" smtClean="0"/>
-              <a:t>2021/11/30</a:t>
+              <a:t>2023/5/6</a:t>
             </a:fld>
             <a:endParaRPr lang="zh-CN" altLang="en-US"/>
           </a:p>
@@ -3476,7 +3476,7 @@
           <a:p>
             <a:fld id="{FC19A4FA-3D9A-4114-B0D5-759CBD56F1AB}" type="datetimeFigureOut">
               <a:rPr lang="zh-CN" altLang="en-US" smtClean="0"/>
-              <a:t>2021/11/30</a:t>
+              <a:t>2023/5/6</a:t>
             </a:fld>
             <a:endParaRPr lang="zh-CN" altLang="en-US"/>
           </a:p>
@@ -7474,7 +7474,7 @@
           <a:p>
             <a:r>
               <a:rPr kumimoji="1" lang="en-US" altLang="zh-CN" dirty="0"/>
-              <a:t>If a virtual destructor is not virtual, only the destructor of the base class is executed in the follow examples.</a:t>
+              <a:t>If a destructor is not virtual, only the destructor of the base class is executed in the follow examples.</a:t>
             </a:r>
             <a:endParaRPr kumimoji="1" lang="zh-CN" altLang="en-US" dirty="0"/>
           </a:p>

--- a/week12/Lecture12.pptx
+++ b/week12/Lecture12.pptx
@@ -222,7 +222,7 @@
           <a:p>
             <a:fld id="{634F3F22-B4BB-3F48-9180-464A9F2D66D1}" type="datetimeFigureOut">
               <a:rPr kumimoji="1" lang="zh-CN" altLang="en-US" smtClean="0"/>
-              <a:t>2023/5/6</a:t>
+              <a:t>2024/5/10</a:t>
             </a:fld>
             <a:endParaRPr kumimoji="1" lang="zh-CN" altLang="en-US"/>
           </a:p>
@@ -786,7 +786,7 @@
           <a:p>
             <a:fld id="{FC19A4FA-3D9A-4114-B0D5-759CBD56F1AB}" type="datetimeFigureOut">
               <a:rPr lang="zh-CN" altLang="en-US" smtClean="0"/>
-              <a:t>2023/5/6</a:t>
+              <a:t>2024/5/10</a:t>
             </a:fld>
             <a:endParaRPr lang="zh-CN" altLang="en-US"/>
           </a:p>
@@ -989,7 +989,7 @@
           <a:p>
             <a:fld id="{FC19A4FA-3D9A-4114-B0D5-759CBD56F1AB}" type="datetimeFigureOut">
               <a:rPr lang="zh-CN" altLang="en-US" smtClean="0"/>
-              <a:t>2023/5/6</a:t>
+              <a:t>2024/5/10</a:t>
             </a:fld>
             <a:endParaRPr lang="zh-CN" altLang="en-US"/>
           </a:p>
@@ -1167,7 +1167,7 @@
           <a:p>
             <a:fld id="{FC19A4FA-3D9A-4114-B0D5-759CBD56F1AB}" type="datetimeFigureOut">
               <a:rPr lang="zh-CN" altLang="en-US" smtClean="0"/>
-              <a:t>2023/5/6</a:t>
+              <a:t>2024/5/10</a:t>
             </a:fld>
             <a:endParaRPr lang="zh-CN" altLang="en-US"/>
           </a:p>
@@ -1391,7 +1391,7 @@
           <a:p>
             <a:fld id="{FC19A4FA-3D9A-4114-B0D5-759CBD56F1AB}" type="datetimeFigureOut">
               <a:rPr lang="zh-CN" altLang="en-US" smtClean="0"/>
-              <a:t>2023/5/6</a:t>
+              <a:t>2024/5/10</a:t>
             </a:fld>
             <a:endParaRPr lang="zh-CN" altLang="en-US"/>
           </a:p>
@@ -1625,7 +1625,7 @@
           <a:p>
             <a:fld id="{FC19A4FA-3D9A-4114-B0D5-759CBD56F1AB}" type="datetimeFigureOut">
               <a:rPr lang="zh-CN" altLang="en-US" smtClean="0"/>
-              <a:t>2023/5/6</a:t>
+              <a:t>2024/5/10</a:t>
             </a:fld>
             <a:endParaRPr lang="zh-CN" altLang="en-US"/>
           </a:p>
@@ -2024,7 +2024,7 @@
           <a:p>
             <a:fld id="{FC19A4FA-3D9A-4114-B0D5-759CBD56F1AB}" type="datetimeFigureOut">
               <a:rPr lang="zh-CN" altLang="en-US" smtClean="0"/>
-              <a:t>2023/5/6</a:t>
+              <a:t>2024/5/10</a:t>
             </a:fld>
             <a:endParaRPr lang="zh-CN" altLang="en-US"/>
           </a:p>
@@ -2304,7 +2304,7 @@
           <a:p>
             <a:fld id="{FC19A4FA-3D9A-4114-B0D5-759CBD56F1AB}" type="datetimeFigureOut">
               <a:rPr lang="zh-CN" altLang="en-US" smtClean="0"/>
-              <a:t>2023/5/6</a:t>
+              <a:t>2024/5/10</a:t>
             </a:fld>
             <a:endParaRPr lang="zh-CN" altLang="en-US"/>
           </a:p>
@@ -2456,7 +2456,7 @@
           <a:p>
             <a:fld id="{FC19A4FA-3D9A-4114-B0D5-759CBD56F1AB}" type="datetimeFigureOut">
               <a:rPr lang="zh-CN" altLang="en-US" smtClean="0"/>
-              <a:t>2023/5/6</a:t>
+              <a:t>2024/5/10</a:t>
             </a:fld>
             <a:endParaRPr lang="zh-CN" altLang="en-US"/>
           </a:p>
@@ -2586,7 +2586,7 @@
           <a:p>
             <a:fld id="{FC19A4FA-3D9A-4114-B0D5-759CBD56F1AB}" type="datetimeFigureOut">
               <a:rPr lang="zh-CN" altLang="en-US" smtClean="0"/>
-              <a:t>2023/5/6</a:t>
+              <a:t>2024/5/10</a:t>
             </a:fld>
             <a:endParaRPr lang="zh-CN" altLang="en-US"/>
           </a:p>
@@ -2896,7 +2896,7 @@
           <a:p>
             <a:fld id="{FC19A4FA-3D9A-4114-B0D5-759CBD56F1AB}" type="datetimeFigureOut">
               <a:rPr lang="zh-CN" altLang="en-US" smtClean="0"/>
-              <a:t>2023/5/6</a:t>
+              <a:t>2024/5/10</a:t>
             </a:fld>
             <a:endParaRPr lang="zh-CN" altLang="en-US"/>
           </a:p>
@@ -3183,7 +3183,7 @@
           <a:p>
             <a:fld id="{FC19A4FA-3D9A-4114-B0D5-759CBD56F1AB}" type="datetimeFigureOut">
               <a:rPr lang="zh-CN" altLang="en-US" smtClean="0"/>
-              <a:t>2023/5/6</a:t>
+              <a:t>2024/5/10</a:t>
             </a:fld>
             <a:endParaRPr lang="zh-CN" altLang="en-US"/>
           </a:p>
@@ -3476,7 +3476,7 @@
           <a:p>
             <a:fld id="{FC19A4FA-3D9A-4114-B0D5-759CBD56F1AB}" type="datetimeFigureOut">
               <a:rPr lang="zh-CN" altLang="en-US" smtClean="0"/>
-              <a:t>2023/5/6</a:t>
+              <a:t>2024/5/10</a:t>
             </a:fld>
             <a:endParaRPr lang="zh-CN" altLang="en-US"/>
           </a:p>
@@ -5510,7 +5510,12 @@
             <p:ph idx="1"/>
           </p:nvPr>
         </p:nvSpPr>
-        <p:spPr/>
+        <p:spPr>
+          <a:xfrm>
+            <a:off x="838200" y="1326995"/>
+            <a:ext cx="6488290" cy="4849968"/>
+          </a:xfrm>
+        </p:spPr>
         <p:txBody>
           <a:bodyPr/>
           <a:lstStyle/>
@@ -5573,6 +5578,369 @@
           </a:p>
           <a:p>
             <a:pPr lvl="1"/>
+            <a:endParaRPr kumimoji="1" lang="zh-CN" altLang="en-US" dirty="0"/>
+          </a:p>
+        </p:txBody>
+      </p:sp>
+      <p:sp>
+        <p:nvSpPr>
+          <p:cNvPr id="7" name="文本框 6">
+            <a:extLst>
+              <a:ext uri="{FF2B5EF4-FFF2-40B4-BE49-F238E27FC236}">
+                <a16:creationId xmlns:a16="http://schemas.microsoft.com/office/drawing/2014/main" id="{DB73C670-35FB-70FF-DCFD-BA1386327250}"/>
+              </a:ext>
+            </a:extLst>
+          </p:cNvPr>
+          <p:cNvSpPr txBox="1"/>
+          <p:nvPr/>
+        </p:nvSpPr>
+        <p:spPr>
+          <a:xfrm>
+            <a:off x="6990449" y="2767280"/>
+            <a:ext cx="4631267" cy="1323439"/>
+          </a:xfrm>
+          <a:prstGeom prst="rect">
+            <a:avLst/>
+          </a:prstGeom>
+          <a:noFill/>
+        </p:spPr>
+        <p:txBody>
+          <a:bodyPr wrap="square">
+            <a:spAutoFit/>
+          </a:bodyPr>
+          <a:lstStyle/>
+          <a:p>
+            <a:pPr marL="0" marR="0" lvl="0" indent="0" algn="l" defTabSz="914400" rtl="0" eaLnBrk="1" fontAlgn="auto" latinLnBrk="0" hangingPunct="1">
+              <a:lnSpc>
+                <a:spcPct val="100000"/>
+              </a:lnSpc>
+              <a:spcBef>
+                <a:spcPts val="0"/>
+              </a:spcBef>
+              <a:spcAft>
+                <a:spcPts val="0"/>
+              </a:spcAft>
+              <a:buClrTx/>
+              <a:buSzTx/>
+              <a:buFontTx/>
+              <a:buNone/>
+              <a:tabLst/>
+              <a:defRPr/>
+            </a:pPr>
+            <a:r>
+              <a:rPr kumimoji="0" lang="en" altLang="zh-CN" sz="2000" b="0" i="0" u="none" strike="noStrike" kern="1200" cap="none" spc="0" normalizeH="0" baseline="0" noProof="0" dirty="0">
+                <a:ln>
+                  <a:noFill/>
+                </a:ln>
+                <a:solidFill>
+                  <a:srgbClr val="0000FF"/>
+                </a:solidFill>
+                <a:effectLst/>
+                <a:uLnTx/>
+                <a:uFillTx/>
+                <a:latin typeface="Menlo" panose="020B0609030804020204" pitchFamily="49" charset="0"/>
+                <a:ea typeface="宋体" panose="02010600030101010101" pitchFamily="2" charset="-122"/>
+                <a:cs typeface="+mn-cs"/>
+              </a:rPr>
+              <a:t>class</a:t>
+            </a:r>
+            <a:r>
+              <a:rPr kumimoji="0" lang="en" altLang="zh-CN" sz="2000" b="0" i="0" u="none" strike="noStrike" kern="1200" cap="none" spc="0" normalizeH="0" baseline="0" noProof="0" dirty="0">
+                <a:ln>
+                  <a:noFill/>
+                </a:ln>
+                <a:solidFill>
+                  <a:srgbClr val="000000"/>
+                </a:solidFill>
+                <a:effectLst/>
+                <a:uLnTx/>
+                <a:uFillTx/>
+                <a:latin typeface="Menlo" panose="020B0609030804020204" pitchFamily="49" charset="0"/>
+                <a:ea typeface="宋体" panose="02010600030101010101" pitchFamily="2" charset="-122"/>
+                <a:cs typeface="+mn-cs"/>
+              </a:rPr>
+              <a:t> </a:t>
+            </a:r>
+            <a:r>
+              <a:rPr kumimoji="0" lang="en" altLang="zh-CN" sz="2000" b="0" i="0" u="none" strike="noStrike" kern="1200" cap="none" spc="0" normalizeH="0" baseline="0" noProof="0" dirty="0">
+                <a:ln>
+                  <a:noFill/>
+                </a:ln>
+                <a:solidFill>
+                  <a:srgbClr val="267F99"/>
+                </a:solidFill>
+                <a:effectLst/>
+                <a:uLnTx/>
+                <a:uFillTx/>
+                <a:latin typeface="Menlo" panose="020B0609030804020204" pitchFamily="49" charset="0"/>
+                <a:ea typeface="宋体" panose="02010600030101010101" pitchFamily="2" charset="-122"/>
+                <a:cs typeface="+mn-cs"/>
+              </a:rPr>
+              <a:t>Derived</a:t>
+            </a:r>
+            <a:r>
+              <a:rPr kumimoji="0" lang="en" altLang="zh-CN" sz="2000" b="0" i="0" u="none" strike="noStrike" kern="1200" cap="none" spc="0" normalizeH="0" baseline="0" noProof="0" dirty="0">
+                <a:ln>
+                  <a:noFill/>
+                </a:ln>
+                <a:solidFill>
+                  <a:srgbClr val="000000"/>
+                </a:solidFill>
+                <a:effectLst/>
+                <a:uLnTx/>
+                <a:uFillTx/>
+                <a:latin typeface="Menlo" panose="020B0609030804020204" pitchFamily="49" charset="0"/>
+                <a:ea typeface="宋体" panose="02010600030101010101" pitchFamily="2" charset="-122"/>
+                <a:cs typeface="+mn-cs"/>
+              </a:rPr>
+              <a:t> : </a:t>
+            </a:r>
+            <a:r>
+              <a:rPr kumimoji="0" lang="en" altLang="zh-CN" sz="2000" b="0" i="0" u="none" strike="noStrike" kern="1200" cap="none" spc="0" normalizeH="0" baseline="0" noProof="0" dirty="0">
+                <a:ln>
+                  <a:noFill/>
+                </a:ln>
+                <a:solidFill>
+                  <a:srgbClr val="0000FF"/>
+                </a:solidFill>
+                <a:effectLst/>
+                <a:uLnTx/>
+                <a:uFillTx/>
+                <a:latin typeface="Menlo" panose="020B0609030804020204" pitchFamily="49" charset="0"/>
+                <a:ea typeface="宋体" panose="02010600030101010101" pitchFamily="2" charset="-122"/>
+                <a:cs typeface="+mn-cs"/>
+              </a:rPr>
+              <a:t>public</a:t>
+            </a:r>
+            <a:r>
+              <a:rPr kumimoji="0" lang="en" altLang="zh-CN" sz="2000" b="0" i="0" u="none" strike="noStrike" kern="1200" cap="none" spc="0" normalizeH="0" baseline="0" noProof="0" dirty="0">
+                <a:ln>
+                  <a:noFill/>
+                </a:ln>
+                <a:solidFill>
+                  <a:srgbClr val="000000"/>
+                </a:solidFill>
+                <a:effectLst/>
+                <a:uLnTx/>
+                <a:uFillTx/>
+                <a:latin typeface="Menlo" panose="020B0609030804020204" pitchFamily="49" charset="0"/>
+                <a:ea typeface="宋体" panose="02010600030101010101" pitchFamily="2" charset="-122"/>
+                <a:cs typeface="+mn-cs"/>
+              </a:rPr>
+              <a:t> </a:t>
+            </a:r>
+            <a:r>
+              <a:rPr kumimoji="0" lang="en" altLang="zh-CN" sz="2000" b="0" i="0" u="none" strike="noStrike" kern="1200" cap="none" spc="0" normalizeH="0" baseline="0" noProof="0" dirty="0">
+                <a:ln>
+                  <a:noFill/>
+                </a:ln>
+                <a:solidFill>
+                  <a:srgbClr val="267F99"/>
+                </a:solidFill>
+                <a:effectLst/>
+                <a:uLnTx/>
+                <a:uFillTx/>
+                <a:latin typeface="Menlo" panose="020B0609030804020204" pitchFamily="49" charset="0"/>
+                <a:ea typeface="宋体" panose="02010600030101010101" pitchFamily="2" charset="-122"/>
+                <a:cs typeface="+mn-cs"/>
+              </a:rPr>
+              <a:t>Base</a:t>
+            </a:r>
+            <a:r>
+              <a:rPr kumimoji="0" lang="en" altLang="zh-CN" sz="2000" b="0" i="0" u="none" strike="noStrike" kern="1200" cap="none" spc="0" normalizeH="0" baseline="0" noProof="0" dirty="0">
+                <a:ln>
+                  <a:noFill/>
+                </a:ln>
+                <a:solidFill>
+                  <a:srgbClr val="000000"/>
+                </a:solidFill>
+                <a:effectLst/>
+                <a:uLnTx/>
+                <a:uFillTx/>
+                <a:latin typeface="Menlo" panose="020B0609030804020204" pitchFamily="49" charset="0"/>
+                <a:ea typeface="宋体" panose="02010600030101010101" pitchFamily="2" charset="-122"/>
+                <a:cs typeface="+mn-cs"/>
+              </a:rPr>
+              <a:t> </a:t>
+            </a:r>
+          </a:p>
+          <a:p>
+            <a:pPr marL="0" marR="0" lvl="0" indent="0" algn="l" defTabSz="914400" rtl="0" eaLnBrk="1" fontAlgn="auto" latinLnBrk="0" hangingPunct="1">
+              <a:lnSpc>
+                <a:spcPct val="100000"/>
+              </a:lnSpc>
+              <a:spcBef>
+                <a:spcPts val="0"/>
+              </a:spcBef>
+              <a:spcAft>
+                <a:spcPts val="0"/>
+              </a:spcAft>
+              <a:buClrTx/>
+              <a:buSzTx/>
+              <a:buFontTx/>
+              <a:buNone/>
+              <a:tabLst/>
+              <a:defRPr/>
+            </a:pPr>
+            <a:r>
+              <a:rPr kumimoji="0" lang="en" altLang="zh-CN" sz="2000" b="0" i="0" u="none" strike="noStrike" kern="1200" cap="none" spc="0" normalizeH="0" baseline="0" noProof="0" dirty="0">
+                <a:ln>
+                  <a:noFill/>
+                </a:ln>
+                <a:solidFill>
+                  <a:srgbClr val="000000"/>
+                </a:solidFill>
+                <a:effectLst/>
+                <a:uLnTx/>
+                <a:uFillTx/>
+                <a:latin typeface="Menlo" panose="020B0609030804020204" pitchFamily="49" charset="0"/>
+                <a:ea typeface="宋体" panose="02010600030101010101" pitchFamily="2" charset="-122"/>
+                <a:cs typeface="+mn-cs"/>
+              </a:rPr>
+              <a:t>{</a:t>
+            </a:r>
+          </a:p>
+          <a:p>
+            <a:pPr marL="0" marR="0" lvl="0" indent="0" algn="l" defTabSz="914400" rtl="0" eaLnBrk="1" fontAlgn="auto" latinLnBrk="0" hangingPunct="1">
+              <a:lnSpc>
+                <a:spcPct val="100000"/>
+              </a:lnSpc>
+              <a:spcBef>
+                <a:spcPts val="0"/>
+              </a:spcBef>
+              <a:spcAft>
+                <a:spcPts val="0"/>
+              </a:spcAft>
+              <a:buClrTx/>
+              <a:buSzTx/>
+              <a:buFontTx/>
+              <a:buNone/>
+              <a:tabLst/>
+              <a:defRPr/>
+            </a:pPr>
+            <a:r>
+              <a:rPr lang="en" altLang="zh-CN" sz="2000" dirty="0">
+                <a:solidFill>
+                  <a:srgbClr val="000000"/>
+                </a:solidFill>
+                <a:latin typeface="Menlo" panose="020B0609030804020204" pitchFamily="49" charset="0"/>
+                <a:ea typeface="宋体" panose="02010600030101010101" pitchFamily="2" charset="-122"/>
+              </a:rPr>
+              <a:t>    </a:t>
+            </a:r>
+            <a:r>
+              <a:rPr lang="en" altLang="zh-CN" sz="2000" dirty="0">
+                <a:solidFill>
+                  <a:srgbClr val="008000"/>
+                </a:solidFill>
+                <a:latin typeface="Menlo" panose="020B0609030804020204" pitchFamily="49" charset="0"/>
+              </a:rPr>
+              <a:t>...</a:t>
+            </a:r>
+            <a:endParaRPr kumimoji="0" lang="en" altLang="zh-CN" sz="2000" b="0" i="0" u="none" strike="noStrike" kern="1200" cap="none" spc="0" normalizeH="0" baseline="0" noProof="0" dirty="0">
+              <a:ln>
+                <a:noFill/>
+              </a:ln>
+              <a:solidFill>
+                <a:srgbClr val="000000"/>
+              </a:solidFill>
+              <a:effectLst/>
+              <a:uLnTx/>
+              <a:uFillTx/>
+              <a:latin typeface="Menlo" panose="020B0609030804020204" pitchFamily="49" charset="0"/>
+              <a:ea typeface="宋体" panose="02010600030101010101" pitchFamily="2" charset="-122"/>
+              <a:cs typeface="+mn-cs"/>
+            </a:endParaRPr>
+          </a:p>
+          <a:p>
+            <a:pPr marL="0" marR="0" lvl="0" indent="0" algn="l" defTabSz="914400" rtl="0" eaLnBrk="1" fontAlgn="auto" latinLnBrk="0" hangingPunct="1">
+              <a:lnSpc>
+                <a:spcPct val="100000"/>
+              </a:lnSpc>
+              <a:spcBef>
+                <a:spcPts val="0"/>
+              </a:spcBef>
+              <a:spcAft>
+                <a:spcPts val="0"/>
+              </a:spcAft>
+              <a:buClrTx/>
+              <a:buSzTx/>
+              <a:buFontTx/>
+              <a:buNone/>
+              <a:tabLst/>
+              <a:defRPr/>
+            </a:pPr>
+            <a:r>
+              <a:rPr kumimoji="0" lang="en" altLang="zh-CN" sz="2000" b="0" i="0" u="none" strike="noStrike" kern="1200" cap="none" spc="0" normalizeH="0" baseline="0" noProof="0" dirty="0">
+                <a:ln>
+                  <a:noFill/>
+                </a:ln>
+                <a:solidFill>
+                  <a:srgbClr val="000000"/>
+                </a:solidFill>
+                <a:effectLst/>
+                <a:uLnTx/>
+                <a:uFillTx/>
+                <a:latin typeface="Menlo" panose="020B0609030804020204" pitchFamily="49" charset="0"/>
+                <a:ea typeface="宋体" panose="02010600030101010101" pitchFamily="2" charset="-122"/>
+                <a:cs typeface="+mn-cs"/>
+              </a:rPr>
+              <a:t>}</a:t>
+            </a:r>
+          </a:p>
+        </p:txBody>
+      </p:sp>
+      <p:sp>
+        <p:nvSpPr>
+          <p:cNvPr id="8" name="右箭头 7">
+            <a:extLst>
+              <a:ext uri="{FF2B5EF4-FFF2-40B4-BE49-F238E27FC236}">
+                <a16:creationId xmlns:a16="http://schemas.microsoft.com/office/drawing/2014/main" id="{9AD49F6D-1D10-C50E-FDBA-1D255FE0C035}"/>
+              </a:ext>
+            </a:extLst>
+          </p:cNvPr>
+          <p:cNvSpPr/>
+          <p:nvPr/>
+        </p:nvSpPr>
+        <p:spPr>
+          <a:xfrm rot="2959821">
+            <a:off x="8675780" y="2015058"/>
+            <a:ext cx="1260604" cy="563602"/>
+          </a:xfrm>
+          <a:prstGeom prst="rightArrow">
+            <a:avLst>
+              <a:gd name="adj1" fmla="val 50000"/>
+              <a:gd name="adj2" fmla="val 111292"/>
+            </a:avLst>
+          </a:prstGeom>
+          <a:solidFill>
+            <a:srgbClr val="FF0000"/>
+          </a:solidFill>
+          <a:ln>
+            <a:noFill/>
+          </a:ln>
+        </p:spPr>
+        <p:style>
+          <a:lnRef idx="2">
+            <a:schemeClr val="accent1">
+              <a:shade val="15000"/>
+            </a:schemeClr>
+          </a:lnRef>
+          <a:fillRef idx="1">
+            <a:schemeClr val="accent1"/>
+          </a:fillRef>
+          <a:effectRef idx="0">
+            <a:schemeClr val="accent1"/>
+          </a:effectRef>
+          <a:fontRef idx="minor">
+            <a:schemeClr val="lt1"/>
+          </a:fontRef>
+        </p:style>
+        <p:txBody>
+          <a:bodyPr rtlCol="0" anchor="ctr"/>
+          <a:lstStyle/>
+          <a:p>
+            <a:pPr algn="ctr"/>
             <a:endParaRPr kumimoji="1" lang="zh-CN" altLang="en-US" dirty="0"/>
           </a:p>
         </p:txBody>
@@ -5940,6 +6308,369 @@
           </a:p>
         </p:txBody>
       </p:sp>
+      <p:sp>
+        <p:nvSpPr>
+          <p:cNvPr id="4" name="文本框 3">
+            <a:extLst>
+              <a:ext uri="{FF2B5EF4-FFF2-40B4-BE49-F238E27FC236}">
+                <a16:creationId xmlns:a16="http://schemas.microsoft.com/office/drawing/2014/main" id="{C5F35A0C-4D2E-0405-8E5A-4BE8F11A8C05}"/>
+              </a:ext>
+            </a:extLst>
+          </p:cNvPr>
+          <p:cNvSpPr txBox="1"/>
+          <p:nvPr/>
+        </p:nvSpPr>
+        <p:spPr>
+          <a:xfrm>
+            <a:off x="6990449" y="2767280"/>
+            <a:ext cx="4631267" cy="1323439"/>
+          </a:xfrm>
+          <a:prstGeom prst="rect">
+            <a:avLst/>
+          </a:prstGeom>
+          <a:noFill/>
+        </p:spPr>
+        <p:txBody>
+          <a:bodyPr wrap="square">
+            <a:spAutoFit/>
+          </a:bodyPr>
+          <a:lstStyle/>
+          <a:p>
+            <a:pPr marL="0" marR="0" lvl="0" indent="0" algn="l" defTabSz="914400" rtl="0" eaLnBrk="1" fontAlgn="auto" latinLnBrk="0" hangingPunct="1">
+              <a:lnSpc>
+                <a:spcPct val="100000"/>
+              </a:lnSpc>
+              <a:spcBef>
+                <a:spcPts val="0"/>
+              </a:spcBef>
+              <a:spcAft>
+                <a:spcPts val="0"/>
+              </a:spcAft>
+              <a:buClrTx/>
+              <a:buSzTx/>
+              <a:buFontTx/>
+              <a:buNone/>
+              <a:tabLst/>
+              <a:defRPr/>
+            </a:pPr>
+            <a:r>
+              <a:rPr kumimoji="0" lang="en" altLang="zh-CN" sz="2000" b="0" i="0" u="none" strike="noStrike" kern="1200" cap="none" spc="0" normalizeH="0" baseline="0" noProof="0" dirty="0">
+                <a:ln>
+                  <a:noFill/>
+                </a:ln>
+                <a:solidFill>
+                  <a:srgbClr val="0000FF"/>
+                </a:solidFill>
+                <a:effectLst/>
+                <a:uLnTx/>
+                <a:uFillTx/>
+                <a:latin typeface="Menlo" panose="020B0609030804020204" pitchFamily="49" charset="0"/>
+                <a:ea typeface="宋体" panose="02010600030101010101" pitchFamily="2" charset="-122"/>
+                <a:cs typeface="+mn-cs"/>
+              </a:rPr>
+              <a:t>class</a:t>
+            </a:r>
+            <a:r>
+              <a:rPr kumimoji="0" lang="en" altLang="zh-CN" sz="2000" b="0" i="0" u="none" strike="noStrike" kern="1200" cap="none" spc="0" normalizeH="0" baseline="0" noProof="0" dirty="0">
+                <a:ln>
+                  <a:noFill/>
+                </a:ln>
+                <a:solidFill>
+                  <a:srgbClr val="000000"/>
+                </a:solidFill>
+                <a:effectLst/>
+                <a:uLnTx/>
+                <a:uFillTx/>
+                <a:latin typeface="Menlo" panose="020B0609030804020204" pitchFamily="49" charset="0"/>
+                <a:ea typeface="宋体" panose="02010600030101010101" pitchFamily="2" charset="-122"/>
+                <a:cs typeface="+mn-cs"/>
+              </a:rPr>
+              <a:t> </a:t>
+            </a:r>
+            <a:r>
+              <a:rPr kumimoji="0" lang="en" altLang="zh-CN" sz="2000" b="0" i="0" u="none" strike="noStrike" kern="1200" cap="none" spc="0" normalizeH="0" baseline="0" noProof="0" dirty="0">
+                <a:ln>
+                  <a:noFill/>
+                </a:ln>
+                <a:solidFill>
+                  <a:srgbClr val="267F99"/>
+                </a:solidFill>
+                <a:effectLst/>
+                <a:uLnTx/>
+                <a:uFillTx/>
+                <a:latin typeface="Menlo" panose="020B0609030804020204" pitchFamily="49" charset="0"/>
+                <a:ea typeface="宋体" panose="02010600030101010101" pitchFamily="2" charset="-122"/>
+                <a:cs typeface="+mn-cs"/>
+              </a:rPr>
+              <a:t>Derived</a:t>
+            </a:r>
+            <a:r>
+              <a:rPr kumimoji="0" lang="en" altLang="zh-CN" sz="2000" b="0" i="0" u="none" strike="noStrike" kern="1200" cap="none" spc="0" normalizeH="0" baseline="0" noProof="0" dirty="0">
+                <a:ln>
+                  <a:noFill/>
+                </a:ln>
+                <a:solidFill>
+                  <a:srgbClr val="000000"/>
+                </a:solidFill>
+                <a:effectLst/>
+                <a:uLnTx/>
+                <a:uFillTx/>
+                <a:latin typeface="Menlo" panose="020B0609030804020204" pitchFamily="49" charset="0"/>
+                <a:ea typeface="宋体" panose="02010600030101010101" pitchFamily="2" charset="-122"/>
+                <a:cs typeface="+mn-cs"/>
+              </a:rPr>
+              <a:t> : </a:t>
+            </a:r>
+            <a:r>
+              <a:rPr kumimoji="0" lang="en" altLang="zh-CN" sz="2000" b="0" i="0" u="none" strike="noStrike" kern="1200" cap="none" spc="0" normalizeH="0" baseline="0" noProof="0" dirty="0">
+                <a:ln>
+                  <a:noFill/>
+                </a:ln>
+                <a:solidFill>
+                  <a:srgbClr val="0000FF"/>
+                </a:solidFill>
+                <a:effectLst/>
+                <a:uLnTx/>
+                <a:uFillTx/>
+                <a:latin typeface="Menlo" panose="020B0609030804020204" pitchFamily="49" charset="0"/>
+                <a:ea typeface="宋体" panose="02010600030101010101" pitchFamily="2" charset="-122"/>
+                <a:cs typeface="+mn-cs"/>
+              </a:rPr>
+              <a:t>protect</a:t>
+            </a:r>
+            <a:r>
+              <a:rPr kumimoji="0" lang="en" altLang="zh-CN" sz="2000" b="0" i="0" u="none" strike="noStrike" kern="1200" cap="none" spc="0" normalizeH="0" baseline="0" noProof="0" dirty="0">
+                <a:ln>
+                  <a:noFill/>
+                </a:ln>
+                <a:solidFill>
+                  <a:srgbClr val="000000"/>
+                </a:solidFill>
+                <a:effectLst/>
+                <a:uLnTx/>
+                <a:uFillTx/>
+                <a:latin typeface="Menlo" panose="020B0609030804020204" pitchFamily="49" charset="0"/>
+                <a:ea typeface="宋体" panose="02010600030101010101" pitchFamily="2" charset="-122"/>
+                <a:cs typeface="+mn-cs"/>
+              </a:rPr>
+              <a:t> </a:t>
+            </a:r>
+            <a:r>
+              <a:rPr kumimoji="0" lang="en" altLang="zh-CN" sz="2000" b="0" i="0" u="none" strike="noStrike" kern="1200" cap="none" spc="0" normalizeH="0" baseline="0" noProof="0" dirty="0">
+                <a:ln>
+                  <a:noFill/>
+                </a:ln>
+                <a:solidFill>
+                  <a:srgbClr val="267F99"/>
+                </a:solidFill>
+                <a:effectLst/>
+                <a:uLnTx/>
+                <a:uFillTx/>
+                <a:latin typeface="Menlo" panose="020B0609030804020204" pitchFamily="49" charset="0"/>
+                <a:ea typeface="宋体" panose="02010600030101010101" pitchFamily="2" charset="-122"/>
+                <a:cs typeface="+mn-cs"/>
+              </a:rPr>
+              <a:t>Base</a:t>
+            </a:r>
+            <a:r>
+              <a:rPr kumimoji="0" lang="en" altLang="zh-CN" sz="2000" b="0" i="0" u="none" strike="noStrike" kern="1200" cap="none" spc="0" normalizeH="0" baseline="0" noProof="0" dirty="0">
+                <a:ln>
+                  <a:noFill/>
+                </a:ln>
+                <a:solidFill>
+                  <a:srgbClr val="000000"/>
+                </a:solidFill>
+                <a:effectLst/>
+                <a:uLnTx/>
+                <a:uFillTx/>
+                <a:latin typeface="Menlo" panose="020B0609030804020204" pitchFamily="49" charset="0"/>
+                <a:ea typeface="宋体" panose="02010600030101010101" pitchFamily="2" charset="-122"/>
+                <a:cs typeface="+mn-cs"/>
+              </a:rPr>
+              <a:t> </a:t>
+            </a:r>
+          </a:p>
+          <a:p>
+            <a:pPr marL="0" marR="0" lvl="0" indent="0" algn="l" defTabSz="914400" rtl="0" eaLnBrk="1" fontAlgn="auto" latinLnBrk="0" hangingPunct="1">
+              <a:lnSpc>
+                <a:spcPct val="100000"/>
+              </a:lnSpc>
+              <a:spcBef>
+                <a:spcPts val="0"/>
+              </a:spcBef>
+              <a:spcAft>
+                <a:spcPts val="0"/>
+              </a:spcAft>
+              <a:buClrTx/>
+              <a:buSzTx/>
+              <a:buFontTx/>
+              <a:buNone/>
+              <a:tabLst/>
+              <a:defRPr/>
+            </a:pPr>
+            <a:r>
+              <a:rPr kumimoji="0" lang="en" altLang="zh-CN" sz="2000" b="0" i="0" u="none" strike="noStrike" kern="1200" cap="none" spc="0" normalizeH="0" baseline="0" noProof="0" dirty="0">
+                <a:ln>
+                  <a:noFill/>
+                </a:ln>
+                <a:solidFill>
+                  <a:srgbClr val="000000"/>
+                </a:solidFill>
+                <a:effectLst/>
+                <a:uLnTx/>
+                <a:uFillTx/>
+                <a:latin typeface="Menlo" panose="020B0609030804020204" pitchFamily="49" charset="0"/>
+                <a:ea typeface="宋体" panose="02010600030101010101" pitchFamily="2" charset="-122"/>
+                <a:cs typeface="+mn-cs"/>
+              </a:rPr>
+              <a:t>{</a:t>
+            </a:r>
+          </a:p>
+          <a:p>
+            <a:pPr marL="0" marR="0" lvl="0" indent="0" algn="l" defTabSz="914400" rtl="0" eaLnBrk="1" fontAlgn="auto" latinLnBrk="0" hangingPunct="1">
+              <a:lnSpc>
+                <a:spcPct val="100000"/>
+              </a:lnSpc>
+              <a:spcBef>
+                <a:spcPts val="0"/>
+              </a:spcBef>
+              <a:spcAft>
+                <a:spcPts val="0"/>
+              </a:spcAft>
+              <a:buClrTx/>
+              <a:buSzTx/>
+              <a:buFontTx/>
+              <a:buNone/>
+              <a:tabLst/>
+              <a:defRPr/>
+            </a:pPr>
+            <a:r>
+              <a:rPr lang="en" altLang="zh-CN" sz="2000" dirty="0">
+                <a:solidFill>
+                  <a:srgbClr val="000000"/>
+                </a:solidFill>
+                <a:latin typeface="Menlo" panose="020B0609030804020204" pitchFamily="49" charset="0"/>
+                <a:ea typeface="宋体" panose="02010600030101010101" pitchFamily="2" charset="-122"/>
+              </a:rPr>
+              <a:t>    </a:t>
+            </a:r>
+            <a:r>
+              <a:rPr lang="en" altLang="zh-CN" sz="2000" dirty="0">
+                <a:solidFill>
+                  <a:srgbClr val="008000"/>
+                </a:solidFill>
+                <a:latin typeface="Menlo" panose="020B0609030804020204" pitchFamily="49" charset="0"/>
+              </a:rPr>
+              <a:t>...</a:t>
+            </a:r>
+            <a:endParaRPr kumimoji="0" lang="en" altLang="zh-CN" sz="2000" b="0" i="0" u="none" strike="noStrike" kern="1200" cap="none" spc="0" normalizeH="0" baseline="0" noProof="0" dirty="0">
+              <a:ln>
+                <a:noFill/>
+              </a:ln>
+              <a:solidFill>
+                <a:srgbClr val="000000"/>
+              </a:solidFill>
+              <a:effectLst/>
+              <a:uLnTx/>
+              <a:uFillTx/>
+              <a:latin typeface="Menlo" panose="020B0609030804020204" pitchFamily="49" charset="0"/>
+              <a:ea typeface="宋体" panose="02010600030101010101" pitchFamily="2" charset="-122"/>
+              <a:cs typeface="+mn-cs"/>
+            </a:endParaRPr>
+          </a:p>
+          <a:p>
+            <a:pPr marL="0" marR="0" lvl="0" indent="0" algn="l" defTabSz="914400" rtl="0" eaLnBrk="1" fontAlgn="auto" latinLnBrk="0" hangingPunct="1">
+              <a:lnSpc>
+                <a:spcPct val="100000"/>
+              </a:lnSpc>
+              <a:spcBef>
+                <a:spcPts val="0"/>
+              </a:spcBef>
+              <a:spcAft>
+                <a:spcPts val="0"/>
+              </a:spcAft>
+              <a:buClrTx/>
+              <a:buSzTx/>
+              <a:buFontTx/>
+              <a:buNone/>
+              <a:tabLst/>
+              <a:defRPr/>
+            </a:pPr>
+            <a:r>
+              <a:rPr kumimoji="0" lang="en" altLang="zh-CN" sz="2000" b="0" i="0" u="none" strike="noStrike" kern="1200" cap="none" spc="0" normalizeH="0" baseline="0" noProof="0" dirty="0">
+                <a:ln>
+                  <a:noFill/>
+                </a:ln>
+                <a:solidFill>
+                  <a:srgbClr val="000000"/>
+                </a:solidFill>
+                <a:effectLst/>
+                <a:uLnTx/>
+                <a:uFillTx/>
+                <a:latin typeface="Menlo" panose="020B0609030804020204" pitchFamily="49" charset="0"/>
+                <a:ea typeface="宋体" panose="02010600030101010101" pitchFamily="2" charset="-122"/>
+                <a:cs typeface="+mn-cs"/>
+              </a:rPr>
+              <a:t>}</a:t>
+            </a:r>
+          </a:p>
+        </p:txBody>
+      </p:sp>
+      <p:sp>
+        <p:nvSpPr>
+          <p:cNvPr id="5" name="右箭头 4">
+            <a:extLst>
+              <a:ext uri="{FF2B5EF4-FFF2-40B4-BE49-F238E27FC236}">
+                <a16:creationId xmlns:a16="http://schemas.microsoft.com/office/drawing/2014/main" id="{8434E380-03E9-143B-51B7-ABDD53F7DF8F}"/>
+              </a:ext>
+            </a:extLst>
+          </p:cNvPr>
+          <p:cNvSpPr/>
+          <p:nvPr/>
+        </p:nvSpPr>
+        <p:spPr>
+          <a:xfrm rot="2959821">
+            <a:off x="8675780" y="2015058"/>
+            <a:ext cx="1260604" cy="563602"/>
+          </a:xfrm>
+          <a:prstGeom prst="rightArrow">
+            <a:avLst>
+              <a:gd name="adj1" fmla="val 50000"/>
+              <a:gd name="adj2" fmla="val 111292"/>
+            </a:avLst>
+          </a:prstGeom>
+          <a:solidFill>
+            <a:srgbClr val="FF0000"/>
+          </a:solidFill>
+          <a:ln>
+            <a:noFill/>
+          </a:ln>
+        </p:spPr>
+        <p:style>
+          <a:lnRef idx="2">
+            <a:schemeClr val="accent1">
+              <a:shade val="15000"/>
+            </a:schemeClr>
+          </a:lnRef>
+          <a:fillRef idx="1">
+            <a:schemeClr val="accent1"/>
+          </a:fillRef>
+          <a:effectRef idx="0">
+            <a:schemeClr val="accent1"/>
+          </a:effectRef>
+          <a:fontRef idx="minor">
+            <a:schemeClr val="lt1"/>
+          </a:fontRef>
+        </p:style>
+        <p:txBody>
+          <a:bodyPr rtlCol="0" anchor="ctr"/>
+          <a:lstStyle/>
+          <a:p>
+            <a:pPr algn="ctr"/>
+            <a:endParaRPr kumimoji="1" lang="zh-CN" altLang="en-US" dirty="0"/>
+          </a:p>
+        </p:txBody>
+      </p:sp>
     </p:spTree>
     <p:extLst>
       <p:ext uri="{BB962C8B-B14F-4D97-AF65-F5344CB8AC3E}">
@@ -6188,6 +6919,369 @@
           </a:p>
           <a:p>
             <a:pPr lvl="1"/>
+            <a:endParaRPr kumimoji="1" lang="zh-CN" altLang="en-US" dirty="0"/>
+          </a:p>
+        </p:txBody>
+      </p:sp>
+      <p:sp>
+        <p:nvSpPr>
+          <p:cNvPr id="6" name="文本框 5">
+            <a:extLst>
+              <a:ext uri="{FF2B5EF4-FFF2-40B4-BE49-F238E27FC236}">
+                <a16:creationId xmlns:a16="http://schemas.microsoft.com/office/drawing/2014/main" id="{23C23300-F307-C764-1583-15315AE22767}"/>
+              </a:ext>
+            </a:extLst>
+          </p:cNvPr>
+          <p:cNvSpPr txBox="1"/>
+          <p:nvPr/>
+        </p:nvSpPr>
+        <p:spPr>
+          <a:xfrm>
+            <a:off x="6990449" y="2767280"/>
+            <a:ext cx="4631267" cy="1323439"/>
+          </a:xfrm>
+          <a:prstGeom prst="rect">
+            <a:avLst/>
+          </a:prstGeom>
+          <a:noFill/>
+        </p:spPr>
+        <p:txBody>
+          <a:bodyPr wrap="square">
+            <a:spAutoFit/>
+          </a:bodyPr>
+          <a:lstStyle/>
+          <a:p>
+            <a:pPr marL="0" marR="0" lvl="0" indent="0" algn="l" defTabSz="914400" rtl="0" eaLnBrk="1" fontAlgn="auto" latinLnBrk="0" hangingPunct="1">
+              <a:lnSpc>
+                <a:spcPct val="100000"/>
+              </a:lnSpc>
+              <a:spcBef>
+                <a:spcPts val="0"/>
+              </a:spcBef>
+              <a:spcAft>
+                <a:spcPts val="0"/>
+              </a:spcAft>
+              <a:buClrTx/>
+              <a:buSzTx/>
+              <a:buFontTx/>
+              <a:buNone/>
+              <a:tabLst/>
+              <a:defRPr/>
+            </a:pPr>
+            <a:r>
+              <a:rPr kumimoji="0" lang="en" altLang="zh-CN" sz="2000" b="0" i="0" u="none" strike="noStrike" kern="1200" cap="none" spc="0" normalizeH="0" baseline="0" noProof="0" dirty="0">
+                <a:ln>
+                  <a:noFill/>
+                </a:ln>
+                <a:solidFill>
+                  <a:srgbClr val="0000FF"/>
+                </a:solidFill>
+                <a:effectLst/>
+                <a:uLnTx/>
+                <a:uFillTx/>
+                <a:latin typeface="Menlo" panose="020B0609030804020204" pitchFamily="49" charset="0"/>
+                <a:ea typeface="宋体" panose="02010600030101010101" pitchFamily="2" charset="-122"/>
+                <a:cs typeface="+mn-cs"/>
+              </a:rPr>
+              <a:t>class</a:t>
+            </a:r>
+            <a:r>
+              <a:rPr kumimoji="0" lang="en" altLang="zh-CN" sz="2000" b="0" i="0" u="none" strike="noStrike" kern="1200" cap="none" spc="0" normalizeH="0" baseline="0" noProof="0" dirty="0">
+                <a:ln>
+                  <a:noFill/>
+                </a:ln>
+                <a:solidFill>
+                  <a:srgbClr val="000000"/>
+                </a:solidFill>
+                <a:effectLst/>
+                <a:uLnTx/>
+                <a:uFillTx/>
+                <a:latin typeface="Menlo" panose="020B0609030804020204" pitchFamily="49" charset="0"/>
+                <a:ea typeface="宋体" panose="02010600030101010101" pitchFamily="2" charset="-122"/>
+                <a:cs typeface="+mn-cs"/>
+              </a:rPr>
+              <a:t> </a:t>
+            </a:r>
+            <a:r>
+              <a:rPr kumimoji="0" lang="en" altLang="zh-CN" sz="2000" b="0" i="0" u="none" strike="noStrike" kern="1200" cap="none" spc="0" normalizeH="0" baseline="0" noProof="0" dirty="0">
+                <a:ln>
+                  <a:noFill/>
+                </a:ln>
+                <a:solidFill>
+                  <a:srgbClr val="267F99"/>
+                </a:solidFill>
+                <a:effectLst/>
+                <a:uLnTx/>
+                <a:uFillTx/>
+                <a:latin typeface="Menlo" panose="020B0609030804020204" pitchFamily="49" charset="0"/>
+                <a:ea typeface="宋体" panose="02010600030101010101" pitchFamily="2" charset="-122"/>
+                <a:cs typeface="+mn-cs"/>
+              </a:rPr>
+              <a:t>Derived</a:t>
+            </a:r>
+            <a:r>
+              <a:rPr kumimoji="0" lang="en" altLang="zh-CN" sz="2000" b="0" i="0" u="none" strike="noStrike" kern="1200" cap="none" spc="0" normalizeH="0" baseline="0" noProof="0" dirty="0">
+                <a:ln>
+                  <a:noFill/>
+                </a:ln>
+                <a:solidFill>
+                  <a:srgbClr val="000000"/>
+                </a:solidFill>
+                <a:effectLst/>
+                <a:uLnTx/>
+                <a:uFillTx/>
+                <a:latin typeface="Menlo" panose="020B0609030804020204" pitchFamily="49" charset="0"/>
+                <a:ea typeface="宋体" panose="02010600030101010101" pitchFamily="2" charset="-122"/>
+                <a:cs typeface="+mn-cs"/>
+              </a:rPr>
+              <a:t> : </a:t>
+            </a:r>
+            <a:r>
+              <a:rPr kumimoji="0" lang="en" altLang="zh-CN" sz="2000" b="0" i="0" u="none" strike="noStrike" kern="1200" cap="none" spc="0" normalizeH="0" baseline="0" noProof="0" dirty="0">
+                <a:ln>
+                  <a:noFill/>
+                </a:ln>
+                <a:solidFill>
+                  <a:srgbClr val="0000FF"/>
+                </a:solidFill>
+                <a:effectLst/>
+                <a:uLnTx/>
+                <a:uFillTx/>
+                <a:latin typeface="Menlo" panose="020B0609030804020204" pitchFamily="49" charset="0"/>
+                <a:ea typeface="宋体" panose="02010600030101010101" pitchFamily="2" charset="-122"/>
+                <a:cs typeface="+mn-cs"/>
+              </a:rPr>
+              <a:t>private</a:t>
+            </a:r>
+            <a:r>
+              <a:rPr kumimoji="0" lang="en" altLang="zh-CN" sz="2000" b="0" i="0" u="none" strike="noStrike" kern="1200" cap="none" spc="0" normalizeH="0" baseline="0" noProof="0" dirty="0">
+                <a:ln>
+                  <a:noFill/>
+                </a:ln>
+                <a:solidFill>
+                  <a:srgbClr val="000000"/>
+                </a:solidFill>
+                <a:effectLst/>
+                <a:uLnTx/>
+                <a:uFillTx/>
+                <a:latin typeface="Menlo" panose="020B0609030804020204" pitchFamily="49" charset="0"/>
+                <a:ea typeface="宋体" panose="02010600030101010101" pitchFamily="2" charset="-122"/>
+                <a:cs typeface="+mn-cs"/>
+              </a:rPr>
+              <a:t> </a:t>
+            </a:r>
+            <a:r>
+              <a:rPr kumimoji="0" lang="en" altLang="zh-CN" sz="2000" b="0" i="0" u="none" strike="noStrike" kern="1200" cap="none" spc="0" normalizeH="0" baseline="0" noProof="0" dirty="0">
+                <a:ln>
+                  <a:noFill/>
+                </a:ln>
+                <a:solidFill>
+                  <a:srgbClr val="267F99"/>
+                </a:solidFill>
+                <a:effectLst/>
+                <a:uLnTx/>
+                <a:uFillTx/>
+                <a:latin typeface="Menlo" panose="020B0609030804020204" pitchFamily="49" charset="0"/>
+                <a:ea typeface="宋体" panose="02010600030101010101" pitchFamily="2" charset="-122"/>
+                <a:cs typeface="+mn-cs"/>
+              </a:rPr>
+              <a:t>Base</a:t>
+            </a:r>
+            <a:r>
+              <a:rPr kumimoji="0" lang="en" altLang="zh-CN" sz="2000" b="0" i="0" u="none" strike="noStrike" kern="1200" cap="none" spc="0" normalizeH="0" baseline="0" noProof="0" dirty="0">
+                <a:ln>
+                  <a:noFill/>
+                </a:ln>
+                <a:solidFill>
+                  <a:srgbClr val="000000"/>
+                </a:solidFill>
+                <a:effectLst/>
+                <a:uLnTx/>
+                <a:uFillTx/>
+                <a:latin typeface="Menlo" panose="020B0609030804020204" pitchFamily="49" charset="0"/>
+                <a:ea typeface="宋体" panose="02010600030101010101" pitchFamily="2" charset="-122"/>
+                <a:cs typeface="+mn-cs"/>
+              </a:rPr>
+              <a:t> </a:t>
+            </a:r>
+          </a:p>
+          <a:p>
+            <a:pPr marL="0" marR="0" lvl="0" indent="0" algn="l" defTabSz="914400" rtl="0" eaLnBrk="1" fontAlgn="auto" latinLnBrk="0" hangingPunct="1">
+              <a:lnSpc>
+                <a:spcPct val="100000"/>
+              </a:lnSpc>
+              <a:spcBef>
+                <a:spcPts val="0"/>
+              </a:spcBef>
+              <a:spcAft>
+                <a:spcPts val="0"/>
+              </a:spcAft>
+              <a:buClrTx/>
+              <a:buSzTx/>
+              <a:buFontTx/>
+              <a:buNone/>
+              <a:tabLst/>
+              <a:defRPr/>
+            </a:pPr>
+            <a:r>
+              <a:rPr kumimoji="0" lang="en" altLang="zh-CN" sz="2000" b="0" i="0" u="none" strike="noStrike" kern="1200" cap="none" spc="0" normalizeH="0" baseline="0" noProof="0" dirty="0">
+                <a:ln>
+                  <a:noFill/>
+                </a:ln>
+                <a:solidFill>
+                  <a:srgbClr val="000000"/>
+                </a:solidFill>
+                <a:effectLst/>
+                <a:uLnTx/>
+                <a:uFillTx/>
+                <a:latin typeface="Menlo" panose="020B0609030804020204" pitchFamily="49" charset="0"/>
+                <a:ea typeface="宋体" panose="02010600030101010101" pitchFamily="2" charset="-122"/>
+                <a:cs typeface="+mn-cs"/>
+              </a:rPr>
+              <a:t>{</a:t>
+            </a:r>
+          </a:p>
+          <a:p>
+            <a:pPr marL="0" marR="0" lvl="0" indent="0" algn="l" defTabSz="914400" rtl="0" eaLnBrk="1" fontAlgn="auto" latinLnBrk="0" hangingPunct="1">
+              <a:lnSpc>
+                <a:spcPct val="100000"/>
+              </a:lnSpc>
+              <a:spcBef>
+                <a:spcPts val="0"/>
+              </a:spcBef>
+              <a:spcAft>
+                <a:spcPts val="0"/>
+              </a:spcAft>
+              <a:buClrTx/>
+              <a:buSzTx/>
+              <a:buFontTx/>
+              <a:buNone/>
+              <a:tabLst/>
+              <a:defRPr/>
+            </a:pPr>
+            <a:r>
+              <a:rPr lang="en" altLang="zh-CN" sz="2000" dirty="0">
+                <a:solidFill>
+                  <a:srgbClr val="000000"/>
+                </a:solidFill>
+                <a:latin typeface="Menlo" panose="020B0609030804020204" pitchFamily="49" charset="0"/>
+                <a:ea typeface="宋体" panose="02010600030101010101" pitchFamily="2" charset="-122"/>
+              </a:rPr>
+              <a:t>    </a:t>
+            </a:r>
+            <a:r>
+              <a:rPr lang="en" altLang="zh-CN" sz="2000" dirty="0">
+                <a:solidFill>
+                  <a:srgbClr val="008000"/>
+                </a:solidFill>
+                <a:latin typeface="Menlo" panose="020B0609030804020204" pitchFamily="49" charset="0"/>
+              </a:rPr>
+              <a:t>...</a:t>
+            </a:r>
+            <a:endParaRPr kumimoji="0" lang="en" altLang="zh-CN" sz="2000" b="0" i="0" u="none" strike="noStrike" kern="1200" cap="none" spc="0" normalizeH="0" baseline="0" noProof="0" dirty="0">
+              <a:ln>
+                <a:noFill/>
+              </a:ln>
+              <a:solidFill>
+                <a:srgbClr val="000000"/>
+              </a:solidFill>
+              <a:effectLst/>
+              <a:uLnTx/>
+              <a:uFillTx/>
+              <a:latin typeface="Menlo" panose="020B0609030804020204" pitchFamily="49" charset="0"/>
+              <a:ea typeface="宋体" panose="02010600030101010101" pitchFamily="2" charset="-122"/>
+              <a:cs typeface="+mn-cs"/>
+            </a:endParaRPr>
+          </a:p>
+          <a:p>
+            <a:pPr marL="0" marR="0" lvl="0" indent="0" algn="l" defTabSz="914400" rtl="0" eaLnBrk="1" fontAlgn="auto" latinLnBrk="0" hangingPunct="1">
+              <a:lnSpc>
+                <a:spcPct val="100000"/>
+              </a:lnSpc>
+              <a:spcBef>
+                <a:spcPts val="0"/>
+              </a:spcBef>
+              <a:spcAft>
+                <a:spcPts val="0"/>
+              </a:spcAft>
+              <a:buClrTx/>
+              <a:buSzTx/>
+              <a:buFontTx/>
+              <a:buNone/>
+              <a:tabLst/>
+              <a:defRPr/>
+            </a:pPr>
+            <a:r>
+              <a:rPr kumimoji="0" lang="en" altLang="zh-CN" sz="2000" b="0" i="0" u="none" strike="noStrike" kern="1200" cap="none" spc="0" normalizeH="0" baseline="0" noProof="0" dirty="0">
+                <a:ln>
+                  <a:noFill/>
+                </a:ln>
+                <a:solidFill>
+                  <a:srgbClr val="000000"/>
+                </a:solidFill>
+                <a:effectLst/>
+                <a:uLnTx/>
+                <a:uFillTx/>
+                <a:latin typeface="Menlo" panose="020B0609030804020204" pitchFamily="49" charset="0"/>
+                <a:ea typeface="宋体" panose="02010600030101010101" pitchFamily="2" charset="-122"/>
+                <a:cs typeface="+mn-cs"/>
+              </a:rPr>
+              <a:t>}</a:t>
+            </a:r>
+          </a:p>
+        </p:txBody>
+      </p:sp>
+      <p:sp>
+        <p:nvSpPr>
+          <p:cNvPr id="7" name="右箭头 6">
+            <a:extLst>
+              <a:ext uri="{FF2B5EF4-FFF2-40B4-BE49-F238E27FC236}">
+                <a16:creationId xmlns:a16="http://schemas.microsoft.com/office/drawing/2014/main" id="{4342C14E-319F-A098-B966-6C8063E51A7C}"/>
+              </a:ext>
+            </a:extLst>
+          </p:cNvPr>
+          <p:cNvSpPr/>
+          <p:nvPr/>
+        </p:nvSpPr>
+        <p:spPr>
+          <a:xfrm rot="2959821">
+            <a:off x="8675780" y="2015058"/>
+            <a:ext cx="1260604" cy="563602"/>
+          </a:xfrm>
+          <a:prstGeom prst="rightArrow">
+            <a:avLst>
+              <a:gd name="adj1" fmla="val 50000"/>
+              <a:gd name="adj2" fmla="val 111292"/>
+            </a:avLst>
+          </a:prstGeom>
+          <a:solidFill>
+            <a:srgbClr val="FF0000"/>
+          </a:solidFill>
+          <a:ln>
+            <a:noFill/>
+          </a:ln>
+        </p:spPr>
+        <p:style>
+          <a:lnRef idx="2">
+            <a:schemeClr val="accent1">
+              <a:shade val="15000"/>
+            </a:schemeClr>
+          </a:lnRef>
+          <a:fillRef idx="1">
+            <a:schemeClr val="accent1"/>
+          </a:fillRef>
+          <a:effectRef idx="0">
+            <a:schemeClr val="accent1"/>
+          </a:effectRef>
+          <a:fontRef idx="minor">
+            <a:schemeClr val="lt1"/>
+          </a:fontRef>
+        </p:style>
+        <p:txBody>
+          <a:bodyPr rtlCol="0" anchor="ctr"/>
+          <a:lstStyle/>
+          <a:p>
+            <a:pPr algn="ctr"/>
             <a:endParaRPr kumimoji="1" lang="zh-CN" altLang="en-US" dirty="0"/>
           </a:p>
         </p:txBody>
@@ -11055,13 +12149,8 @@
           <a:p>
             <a:r>
               <a:rPr lang="en" altLang="zh-CN" dirty="0"/>
-              <a:t>Do parameter checking in functions: null pointers, dimension matching in matrix operations, </a:t>
-            </a:r>
-            <a:r>
-              <a:rPr lang="en" altLang="zh-CN" dirty="0" err="1"/>
-              <a:t>etc</a:t>
-            </a:r>
-            <a:endParaRPr lang="en" altLang="zh-CN" dirty="0"/>
+              <a:t>Do parameter checking in functions: null pointers, dimension matching in matrix operations, etc.</a:t>
+            </a:r>
           </a:p>
           <a:p>
             <a:r>
@@ -11075,13 +12164,10 @@
               <a:t>File name: </a:t>
             </a:r>
             <a:r>
-              <a:rPr lang="en" altLang="zh-CN" dirty="0" err="1"/>
-              <a:t>head.h</a:t>
-            </a:r>
-            <a:r>
-              <a:rPr lang="en" altLang="zh-CN" dirty="0"/>
-              <a:t>, source1.c, source2.c, source3.c</a:t>
-            </a:r>
+              <a:rPr lang="en-US" altLang="zh-CN" dirty="0"/>
+              <a:t>1.c, 2.c, 3.h</a:t>
+            </a:r>
+            <a:endParaRPr lang="en" altLang="zh-CN" dirty="0"/>
           </a:p>
           <a:p>
             <a:r>

--- a/week12/Lecture12.pptx
+++ b/week12/Lecture12.pptx
@@ -222,7 +222,7 @@
           <a:p>
             <a:fld id="{634F3F22-B4BB-3F48-9180-464A9F2D66D1}" type="datetimeFigureOut">
               <a:rPr kumimoji="1" lang="zh-CN" altLang="en-US" smtClean="0"/>
-              <a:t>2024/5/10</a:t>
+              <a:t>2025/4/29</a:t>
             </a:fld>
             <a:endParaRPr kumimoji="1" lang="zh-CN" altLang="en-US"/>
           </a:p>
@@ -786,7 +786,7 @@
           <a:p>
             <a:fld id="{FC19A4FA-3D9A-4114-B0D5-759CBD56F1AB}" type="datetimeFigureOut">
               <a:rPr lang="zh-CN" altLang="en-US" smtClean="0"/>
-              <a:t>2024/5/10</a:t>
+              <a:t>2025/4/29</a:t>
             </a:fld>
             <a:endParaRPr lang="zh-CN" altLang="en-US"/>
           </a:p>
@@ -989,7 +989,7 @@
           <a:p>
             <a:fld id="{FC19A4FA-3D9A-4114-B0D5-759CBD56F1AB}" type="datetimeFigureOut">
               <a:rPr lang="zh-CN" altLang="en-US" smtClean="0"/>
-              <a:t>2024/5/10</a:t>
+              <a:t>2025/4/29</a:t>
             </a:fld>
             <a:endParaRPr lang="zh-CN" altLang="en-US"/>
           </a:p>
@@ -1167,7 +1167,7 @@
           <a:p>
             <a:fld id="{FC19A4FA-3D9A-4114-B0D5-759CBD56F1AB}" type="datetimeFigureOut">
               <a:rPr lang="zh-CN" altLang="en-US" smtClean="0"/>
-              <a:t>2024/5/10</a:t>
+              <a:t>2025/4/29</a:t>
             </a:fld>
             <a:endParaRPr lang="zh-CN" altLang="en-US"/>
           </a:p>
@@ -1391,7 +1391,7 @@
           <a:p>
             <a:fld id="{FC19A4FA-3D9A-4114-B0D5-759CBD56F1AB}" type="datetimeFigureOut">
               <a:rPr lang="zh-CN" altLang="en-US" smtClean="0"/>
-              <a:t>2024/5/10</a:t>
+              <a:t>2025/4/29</a:t>
             </a:fld>
             <a:endParaRPr lang="zh-CN" altLang="en-US"/>
           </a:p>
@@ -1625,7 +1625,7 @@
           <a:p>
             <a:fld id="{FC19A4FA-3D9A-4114-B0D5-759CBD56F1AB}" type="datetimeFigureOut">
               <a:rPr lang="zh-CN" altLang="en-US" smtClean="0"/>
-              <a:t>2024/5/10</a:t>
+              <a:t>2025/4/29</a:t>
             </a:fld>
             <a:endParaRPr lang="zh-CN" altLang="en-US"/>
           </a:p>
@@ -2024,7 +2024,7 @@
           <a:p>
             <a:fld id="{FC19A4FA-3D9A-4114-B0D5-759CBD56F1AB}" type="datetimeFigureOut">
               <a:rPr lang="zh-CN" altLang="en-US" smtClean="0"/>
-              <a:t>2024/5/10</a:t>
+              <a:t>2025/4/29</a:t>
             </a:fld>
             <a:endParaRPr lang="zh-CN" altLang="en-US"/>
           </a:p>
@@ -2304,7 +2304,7 @@
           <a:p>
             <a:fld id="{FC19A4FA-3D9A-4114-B0D5-759CBD56F1AB}" type="datetimeFigureOut">
               <a:rPr lang="zh-CN" altLang="en-US" smtClean="0"/>
-              <a:t>2024/5/10</a:t>
+              <a:t>2025/4/29</a:t>
             </a:fld>
             <a:endParaRPr lang="zh-CN" altLang="en-US"/>
           </a:p>
@@ -2456,7 +2456,7 @@
           <a:p>
             <a:fld id="{FC19A4FA-3D9A-4114-B0D5-759CBD56F1AB}" type="datetimeFigureOut">
               <a:rPr lang="zh-CN" altLang="en-US" smtClean="0"/>
-              <a:t>2024/5/10</a:t>
+              <a:t>2025/4/29</a:t>
             </a:fld>
             <a:endParaRPr lang="zh-CN" altLang="en-US"/>
           </a:p>
@@ -2586,7 +2586,7 @@
           <a:p>
             <a:fld id="{FC19A4FA-3D9A-4114-B0D5-759CBD56F1AB}" type="datetimeFigureOut">
               <a:rPr lang="zh-CN" altLang="en-US" smtClean="0"/>
-              <a:t>2024/5/10</a:t>
+              <a:t>2025/4/29</a:t>
             </a:fld>
             <a:endParaRPr lang="zh-CN" altLang="en-US"/>
           </a:p>
@@ -2896,7 +2896,7 @@
           <a:p>
             <a:fld id="{FC19A4FA-3D9A-4114-B0D5-759CBD56F1AB}" type="datetimeFigureOut">
               <a:rPr lang="zh-CN" altLang="en-US" smtClean="0"/>
-              <a:t>2024/5/10</a:t>
+              <a:t>2025/4/29</a:t>
             </a:fld>
             <a:endParaRPr lang="zh-CN" altLang="en-US"/>
           </a:p>
@@ -3183,7 +3183,7 @@
           <a:p>
             <a:fld id="{FC19A4FA-3D9A-4114-B0D5-759CBD56F1AB}" type="datetimeFigureOut">
               <a:rPr lang="zh-CN" altLang="en-US" smtClean="0"/>
-              <a:t>2024/5/10</a:t>
+              <a:t>2025/4/29</a:t>
             </a:fld>
             <a:endParaRPr lang="zh-CN" altLang="en-US"/>
           </a:p>
@@ -3476,7 +3476,7 @@
           <a:p>
             <a:fld id="{FC19A4FA-3D9A-4114-B0D5-759CBD56F1AB}" type="datetimeFigureOut">
               <a:rPr lang="zh-CN" altLang="en-US" smtClean="0"/>
-              <a:t>2024/5/10</a:t>
+              <a:t>2025/4/29</a:t>
             </a:fld>
             <a:endParaRPr lang="zh-CN" altLang="en-US"/>
           </a:p>
@@ -3907,19 +3907,7 @@
               <a:rPr lang="en-US" altLang="zh-CN" b="1" dirty="0">
                 <a:latin typeface="Franklin Gothic Demi" panose="020B0703020102020204" pitchFamily="34" charset="0"/>
               </a:rPr>
-              <a:t>C/C++</a:t>
-            </a:r>
-            <a:r>
-              <a:rPr lang="zh-CN" altLang="en-US" b="1" dirty="0">
-                <a:latin typeface="Franklin Gothic Demi" panose="020B0703020102020204" pitchFamily="34" charset="0"/>
-              </a:rPr>
-              <a:t> </a:t>
-            </a:r>
-            <a:r>
-              <a:rPr lang="en-US" altLang="zh-CN" b="1" dirty="0">
-                <a:latin typeface="Franklin Gothic Demi" panose="020B0703020102020204" pitchFamily="34" charset="0"/>
-              </a:rPr>
-              <a:t>Program Design</a:t>
+              <a:t>Advanced Programming</a:t>
             </a:r>
             <a:endParaRPr lang="zh-CN" altLang="en-US" b="1" dirty="0">
               <a:latin typeface="Franklin Gothic Demi" panose="020B0703020102020204" pitchFamily="34" charset="0"/>
